--- a/Figure.Ideas.pptx
+++ b/Figure.Ideas.pptx
@@ -5,15 +5,17 @@
     <p:sldMasterId id="2147483648" r:id="rId1"/>
   </p:sldMasterIdLst>
   <p:notesMasterIdLst>
-    <p:notesMasterId r:id="rId8"/>
+    <p:notesMasterId r:id="rId10"/>
   </p:notesMasterIdLst>
   <p:sldIdLst>
     <p:sldId id="257" r:id="rId2"/>
     <p:sldId id="260" r:id="rId3"/>
     <p:sldId id="258" r:id="rId4"/>
-    <p:sldId id="259" r:id="rId5"/>
-    <p:sldId id="261" r:id="rId6"/>
-    <p:sldId id="256" r:id="rId7"/>
+    <p:sldId id="261" r:id="rId5"/>
+    <p:sldId id="256" r:id="rId6"/>
+    <p:sldId id="259" r:id="rId7"/>
+    <p:sldId id="262" r:id="rId8"/>
+    <p:sldId id="263" r:id="rId9"/>
   </p:sldIdLst>
   <p:sldSz cx="12192000" cy="6858000"/>
   <p:notesSz cx="6858000" cy="9144000"/>
@@ -213,7 +215,7 @@
           <a:p>
             <a:fld id="{E5748B63-5BB5-407E-80AF-8E86B5EDE4BB}" type="datetimeFigureOut">
               <a:rPr lang="en-US" smtClean="0"/>
-              <a:t>4/8/2020</a:t>
+              <a:t>4/9/2020</a:t>
             </a:fld>
             <a:endParaRPr lang="en-US"/>
           </a:p>
@@ -718,7 +720,7 @@
           <a:p>
             <a:fld id="{D836B551-2E43-4FFE-9FE2-782B1B7A4E04}" type="slidenum">
               <a:rPr lang="en-US" smtClean="0"/>
-              <a:t>5</a:t>
+              <a:t>4</a:t>
             </a:fld>
             <a:endParaRPr lang="en-US"/>
           </a:p>
@@ -885,7 +887,7 @@
           <a:p>
             <a:fld id="{D836B551-2E43-4FFE-9FE2-782B1B7A4E04}" type="slidenum">
               <a:rPr lang="en-US" smtClean="0"/>
-              <a:t>6</a:t>
+              <a:t>5</a:t>
             </a:fld>
             <a:endParaRPr lang="en-US"/>
           </a:p>
@@ -895,6 +897,90 @@
     <p:extLst>
       <p:ext uri="{BB962C8B-B14F-4D97-AF65-F5344CB8AC3E}">
         <p14:creationId xmlns:p14="http://schemas.microsoft.com/office/powerpoint/2010/main" val="2307529238"/>
+      </p:ext>
+    </p:extLst>
+  </p:cSld>
+  <p:clrMapOvr>
+    <a:masterClrMapping/>
+  </p:clrMapOvr>
+</p:notes>
+</file>
+
+<file path=ppt/notesSlides/notesSlide5.xml><?xml version="1.0" encoding="utf-8"?>
+<p:notes xmlns:a="http://schemas.openxmlformats.org/drawingml/2006/main" xmlns:r="http://schemas.openxmlformats.org/officeDocument/2006/relationships" xmlns:p="http://schemas.openxmlformats.org/presentationml/2006/main">
+  <p:cSld>
+    <p:spTree>
+      <p:nvGrpSpPr>
+        <p:cNvPr id="1" name=""/>
+        <p:cNvGrpSpPr/>
+        <p:nvPr/>
+      </p:nvGrpSpPr>
+      <p:grpSpPr>
+        <a:xfrm>
+          <a:off x="0" y="0"/>
+          <a:ext cx="0" cy="0"/>
+          <a:chOff x="0" y="0"/>
+          <a:chExt cx="0" cy="0"/>
+        </a:xfrm>
+      </p:grpSpPr>
+      <p:sp>
+        <p:nvSpPr>
+          <p:cNvPr id="2" name="Slide Image Placeholder 1"/>
+          <p:cNvSpPr>
+            <a:spLocks noGrp="1" noRot="1" noChangeAspect="1"/>
+          </p:cNvSpPr>
+          <p:nvPr>
+            <p:ph type="sldImg"/>
+          </p:nvPr>
+        </p:nvSpPr>
+        <p:spPr/>
+      </p:sp>
+      <p:sp>
+        <p:nvSpPr>
+          <p:cNvPr id="3" name="Notes Placeholder 2"/>
+          <p:cNvSpPr>
+            <a:spLocks noGrp="1"/>
+          </p:cNvSpPr>
+          <p:nvPr>
+            <p:ph type="body" idx="1"/>
+          </p:nvPr>
+        </p:nvSpPr>
+        <p:spPr/>
+        <p:txBody>
+          <a:bodyPr/>
+          <a:lstStyle/>
+          <a:p>
+            <a:endParaRPr lang="en-US"/>
+          </a:p>
+        </p:txBody>
+      </p:sp>
+      <p:sp>
+        <p:nvSpPr>
+          <p:cNvPr id="4" name="Slide Number Placeholder 3"/>
+          <p:cNvSpPr>
+            <a:spLocks noGrp="1"/>
+          </p:cNvSpPr>
+          <p:nvPr>
+            <p:ph type="sldNum" sz="quarter" idx="10"/>
+          </p:nvPr>
+        </p:nvSpPr>
+        <p:spPr/>
+        <p:txBody>
+          <a:bodyPr/>
+          <a:lstStyle/>
+          <a:p>
+            <a:fld id="{D836B551-2E43-4FFE-9FE2-782B1B7A4E04}" type="slidenum">
+              <a:rPr lang="en-US" smtClean="0"/>
+              <a:t>8</a:t>
+            </a:fld>
+            <a:endParaRPr lang="en-US"/>
+          </a:p>
+        </p:txBody>
+      </p:sp>
+    </p:spTree>
+    <p:extLst>
+      <p:ext uri="{BB962C8B-B14F-4D97-AF65-F5344CB8AC3E}">
+        <p14:creationId xmlns:p14="http://schemas.microsoft.com/office/powerpoint/2010/main" val="137419189"/>
       </p:ext>
     </p:extLst>
   </p:cSld>
@@ -1035,7 +1121,7 @@
           <a:p>
             <a:fld id="{03681C2C-16DA-40AA-A93A-93C542D4C8DB}" type="datetimeFigureOut">
               <a:rPr lang="en-US" smtClean="0"/>
-              <a:t>4/8/2020</a:t>
+              <a:t>4/9/2020</a:t>
             </a:fld>
             <a:endParaRPr lang="en-US"/>
           </a:p>
@@ -1205,7 +1291,7 @@
           <a:p>
             <a:fld id="{03681C2C-16DA-40AA-A93A-93C542D4C8DB}" type="datetimeFigureOut">
               <a:rPr lang="en-US" smtClean="0"/>
-              <a:t>4/8/2020</a:t>
+              <a:t>4/9/2020</a:t>
             </a:fld>
             <a:endParaRPr lang="en-US"/>
           </a:p>
@@ -1385,7 +1471,7 @@
           <a:p>
             <a:fld id="{03681C2C-16DA-40AA-A93A-93C542D4C8DB}" type="datetimeFigureOut">
               <a:rPr lang="en-US" smtClean="0"/>
-              <a:t>4/8/2020</a:t>
+              <a:t>4/9/2020</a:t>
             </a:fld>
             <a:endParaRPr lang="en-US"/>
           </a:p>
@@ -1555,7 +1641,7 @@
           <a:p>
             <a:fld id="{03681C2C-16DA-40AA-A93A-93C542D4C8DB}" type="datetimeFigureOut">
               <a:rPr lang="en-US" smtClean="0"/>
-              <a:t>4/8/2020</a:t>
+              <a:t>4/9/2020</a:t>
             </a:fld>
             <a:endParaRPr lang="en-US"/>
           </a:p>
@@ -1801,7 +1887,7 @@
           <a:p>
             <a:fld id="{03681C2C-16DA-40AA-A93A-93C542D4C8DB}" type="datetimeFigureOut">
               <a:rPr lang="en-US" smtClean="0"/>
-              <a:t>4/8/2020</a:t>
+              <a:t>4/9/2020</a:t>
             </a:fld>
             <a:endParaRPr lang="en-US"/>
           </a:p>
@@ -2033,7 +2119,7 @@
           <a:p>
             <a:fld id="{03681C2C-16DA-40AA-A93A-93C542D4C8DB}" type="datetimeFigureOut">
               <a:rPr lang="en-US" smtClean="0"/>
-              <a:t>4/8/2020</a:t>
+              <a:t>4/9/2020</a:t>
             </a:fld>
             <a:endParaRPr lang="en-US"/>
           </a:p>
@@ -2400,7 +2486,7 @@
           <a:p>
             <a:fld id="{03681C2C-16DA-40AA-A93A-93C542D4C8DB}" type="datetimeFigureOut">
               <a:rPr lang="en-US" smtClean="0"/>
-              <a:t>4/8/2020</a:t>
+              <a:t>4/9/2020</a:t>
             </a:fld>
             <a:endParaRPr lang="en-US"/>
           </a:p>
@@ -2518,7 +2604,7 @@
           <a:p>
             <a:fld id="{03681C2C-16DA-40AA-A93A-93C542D4C8DB}" type="datetimeFigureOut">
               <a:rPr lang="en-US" smtClean="0"/>
-              <a:t>4/8/2020</a:t>
+              <a:t>4/9/2020</a:t>
             </a:fld>
             <a:endParaRPr lang="en-US"/>
           </a:p>
@@ -2613,7 +2699,7 @@
           <a:p>
             <a:fld id="{03681C2C-16DA-40AA-A93A-93C542D4C8DB}" type="datetimeFigureOut">
               <a:rPr lang="en-US" smtClean="0"/>
-              <a:t>4/8/2020</a:t>
+              <a:t>4/9/2020</a:t>
             </a:fld>
             <a:endParaRPr lang="en-US"/>
           </a:p>
@@ -2890,7 +2976,7 @@
           <a:p>
             <a:fld id="{03681C2C-16DA-40AA-A93A-93C542D4C8DB}" type="datetimeFigureOut">
               <a:rPr lang="en-US" smtClean="0"/>
-              <a:t>4/8/2020</a:t>
+              <a:t>4/9/2020</a:t>
             </a:fld>
             <a:endParaRPr lang="en-US"/>
           </a:p>
@@ -3143,7 +3229,7 @@
           <a:p>
             <a:fld id="{03681C2C-16DA-40AA-A93A-93C542D4C8DB}" type="datetimeFigureOut">
               <a:rPr lang="en-US" smtClean="0"/>
-              <a:t>4/8/2020</a:t>
+              <a:t>4/9/2020</a:t>
             </a:fld>
             <a:endParaRPr lang="en-US"/>
           </a:p>
@@ -3356,7 +3442,7 @@
           <a:p>
             <a:fld id="{03681C2C-16DA-40AA-A93A-93C542D4C8DB}" type="datetimeFigureOut">
               <a:rPr lang="en-US" smtClean="0"/>
-              <a:t>4/8/2020</a:t>
+              <a:t>4/9/2020</a:t>
             </a:fld>
             <a:endParaRPr lang="en-US"/>
           </a:p>
@@ -3794,15 +3880,48 @@
             <p:ph idx="1"/>
           </p:nvPr>
         </p:nvSpPr>
-        <p:spPr/>
-        <p:txBody>
-          <a:bodyPr/>
-          <a:lstStyle/>
-          <a:p>
-            <a:endParaRPr lang="en-US"/>
-          </a:p>
-        </p:txBody>
-      </p:sp>
+        <p:spPr>
+          <a:xfrm>
+            <a:off x="7493620" y="1825625"/>
+            <a:ext cx="3860180" cy="4351338"/>
+          </a:xfrm>
+        </p:spPr>
+        <p:txBody>
+          <a:bodyPr/>
+          <a:lstStyle/>
+          <a:p>
+            <a:endParaRPr lang="en-US" dirty="0"/>
+          </a:p>
+        </p:txBody>
+      </p:sp>
+      <p:pic>
+        <p:nvPicPr>
+          <p:cNvPr id="4" name="Picture"/>
+          <p:cNvPicPr/>
+          <p:nvPr/>
+        </p:nvPicPr>
+        <p:blipFill>
+          <a:blip r:embed="rId3"/>
+          <a:stretch>
+            <a:fillRect/>
+          </a:stretch>
+        </p:blipFill>
+        <p:spPr bwMode="auto">
+          <a:xfrm>
+            <a:off x="838200" y="1581150"/>
+            <a:ext cx="4619625" cy="3695700"/>
+          </a:xfrm>
+          <a:prstGeom prst="rect">
+            <a:avLst/>
+          </a:prstGeom>
+          <a:noFill/>
+          <a:ln w="9525">
+            <a:noFill/>
+            <a:headEnd/>
+            <a:tailEnd/>
+          </a:ln>
+        </p:spPr>
+      </p:pic>
     </p:spTree>
     <p:extLst>
       <p:ext uri="{BB962C8B-B14F-4D97-AF65-F5344CB8AC3E}">
@@ -3866,15 +3985,48 @@
             <p:ph idx="1"/>
           </p:nvPr>
         </p:nvSpPr>
-        <p:spPr/>
-        <p:txBody>
-          <a:bodyPr/>
-          <a:lstStyle/>
-          <a:p>
-            <a:endParaRPr lang="en-US"/>
-          </a:p>
-        </p:txBody>
-      </p:sp>
+        <p:spPr>
+          <a:xfrm>
+            <a:off x="7984272" y="1825625"/>
+            <a:ext cx="3369527" cy="4351338"/>
+          </a:xfrm>
+        </p:spPr>
+        <p:txBody>
+          <a:bodyPr/>
+          <a:lstStyle/>
+          <a:p>
+            <a:endParaRPr lang="en-US" dirty="0"/>
+          </a:p>
+        </p:txBody>
+      </p:sp>
+      <p:pic>
+        <p:nvPicPr>
+          <p:cNvPr id="4" name="Picture"/>
+          <p:cNvPicPr/>
+          <p:nvPr/>
+        </p:nvPicPr>
+        <p:blipFill>
+          <a:blip r:embed="rId2"/>
+          <a:stretch>
+            <a:fillRect/>
+          </a:stretch>
+        </p:blipFill>
+        <p:spPr bwMode="auto">
+          <a:xfrm>
+            <a:off x="838200" y="1690688"/>
+            <a:ext cx="4619625" cy="3695700"/>
+          </a:xfrm>
+          <a:prstGeom prst="rect">
+            <a:avLst/>
+          </a:prstGeom>
+          <a:noFill/>
+          <a:ln w="9525">
+            <a:noFill/>
+            <a:headEnd/>
+            <a:tailEnd/>
+          </a:ln>
+        </p:spPr>
+      </p:pic>
     </p:spTree>
     <p:extLst>
       <p:ext uri="{BB962C8B-B14F-4D97-AF65-F5344CB8AC3E}">
@@ -3938,15 +4090,48 @@
             <p:ph idx="1"/>
           </p:nvPr>
         </p:nvSpPr>
-        <p:spPr/>
-        <p:txBody>
-          <a:bodyPr/>
-          <a:lstStyle/>
-          <a:p>
-            <a:endParaRPr lang="en-US"/>
-          </a:p>
-        </p:txBody>
-      </p:sp>
+        <p:spPr>
+          <a:xfrm>
+            <a:off x="6490010" y="1825625"/>
+            <a:ext cx="4863790" cy="4351338"/>
+          </a:xfrm>
+        </p:spPr>
+        <p:txBody>
+          <a:bodyPr/>
+          <a:lstStyle/>
+          <a:p>
+            <a:endParaRPr lang="en-US"/>
+          </a:p>
+        </p:txBody>
+      </p:sp>
+      <p:pic>
+        <p:nvPicPr>
+          <p:cNvPr id="4" name="Picture"/>
+          <p:cNvPicPr/>
+          <p:nvPr/>
+        </p:nvPicPr>
+        <p:blipFill>
+          <a:blip r:embed="rId3"/>
+          <a:stretch>
+            <a:fillRect/>
+          </a:stretch>
+        </p:blipFill>
+        <p:spPr bwMode="auto">
+          <a:xfrm>
+            <a:off x="619240" y="2481263"/>
+            <a:ext cx="4619625" cy="3695700"/>
+          </a:xfrm>
+          <a:prstGeom prst="rect">
+            <a:avLst/>
+          </a:prstGeom>
+          <a:noFill/>
+          <a:ln w="9525">
+            <a:noFill/>
+            <a:headEnd/>
+            <a:tailEnd/>
+          </a:ln>
+        </p:spPr>
+      </p:pic>
     </p:spTree>
     <p:extLst>
       <p:ext uri="{BB962C8B-B14F-4D97-AF65-F5344CB8AC3E}">
@@ -3994,78 +4179,6 @@
           <a:p>
             <a:r>
               <a:rPr lang="en-US" dirty="0" smtClean="0"/>
-              <a:t>SC length (by chromosome class)</a:t>
-            </a:r>
-            <a:endParaRPr lang="en-US" dirty="0"/>
-          </a:p>
-        </p:txBody>
-      </p:sp>
-      <p:sp>
-        <p:nvSpPr>
-          <p:cNvPr id="3" name="Content Placeholder 2"/>
-          <p:cNvSpPr>
-            <a:spLocks noGrp="1"/>
-          </p:cNvSpPr>
-          <p:nvPr>
-            <p:ph idx="1"/>
-          </p:nvPr>
-        </p:nvSpPr>
-        <p:spPr/>
-        <p:txBody>
-          <a:bodyPr/>
-          <a:lstStyle/>
-          <a:p>
-            <a:endParaRPr lang="en-US"/>
-          </a:p>
-        </p:txBody>
-      </p:sp>
-    </p:spTree>
-    <p:extLst>
-      <p:ext uri="{BB962C8B-B14F-4D97-AF65-F5344CB8AC3E}">
-        <p14:creationId xmlns:p14="http://schemas.microsoft.com/office/powerpoint/2010/main" val="1925670534"/>
-      </p:ext>
-    </p:extLst>
-  </p:cSld>
-  <p:clrMapOvr>
-    <a:masterClrMapping/>
-  </p:clrMapOvr>
-</p:sld>
-</file>
-
-<file path=ppt/slides/slide5.xml><?xml version="1.0" encoding="utf-8"?>
-<p:sld xmlns:a="http://schemas.openxmlformats.org/drawingml/2006/main" xmlns:r="http://schemas.openxmlformats.org/officeDocument/2006/relationships" xmlns:p="http://schemas.openxmlformats.org/presentationml/2006/main">
-  <p:cSld>
-    <p:spTree>
-      <p:nvGrpSpPr>
-        <p:cNvPr id="1" name=""/>
-        <p:cNvGrpSpPr/>
-        <p:nvPr/>
-      </p:nvGrpSpPr>
-      <p:grpSpPr>
-        <a:xfrm>
-          <a:off x="0" y="0"/>
-          <a:ext cx="0" cy="0"/>
-          <a:chOff x="0" y="0"/>
-          <a:chExt cx="0" cy="0"/>
-        </a:xfrm>
-      </p:grpSpPr>
-      <p:sp>
-        <p:nvSpPr>
-          <p:cNvPr id="2" name="Title 1"/>
-          <p:cNvSpPr>
-            <a:spLocks noGrp="1"/>
-          </p:cNvSpPr>
-          <p:nvPr>
-            <p:ph type="title"/>
-          </p:nvPr>
-        </p:nvSpPr>
-        <p:spPr/>
-        <p:txBody>
-          <a:bodyPr/>
-          <a:lstStyle/>
-          <a:p>
-            <a:r>
-              <a:rPr lang="en-US" dirty="0" smtClean="0"/>
               <a:t>Position (1CO)</a:t>
             </a:r>
             <a:endParaRPr lang="en-US" dirty="0"/>
@@ -4104,7 +4217,7 @@
 </p:sld>
 </file>
 
-<file path=ppt/slides/slide6.xml><?xml version="1.0" encoding="utf-8"?>
+<file path=ppt/slides/slide5.xml><?xml version="1.0" encoding="utf-8"?>
 <p:sld xmlns:a="http://schemas.openxmlformats.org/drawingml/2006/main" xmlns:r="http://schemas.openxmlformats.org/officeDocument/2006/relationships" xmlns:p="http://schemas.openxmlformats.org/presentationml/2006/main">
   <p:cSld>
     <p:spTree>
@@ -4784,6 +4897,340 @@
       </p:par>
     </p:tnLst>
   </p:timing>
+</p:sld>
+</file>
+
+<file path=ppt/slides/slide6.xml><?xml version="1.0" encoding="utf-8"?>
+<p:sld xmlns:a="http://schemas.openxmlformats.org/drawingml/2006/main" xmlns:r="http://schemas.openxmlformats.org/officeDocument/2006/relationships" xmlns:p="http://schemas.openxmlformats.org/presentationml/2006/main">
+  <p:cSld>
+    <p:spTree>
+      <p:nvGrpSpPr>
+        <p:cNvPr id="1" name=""/>
+        <p:cNvGrpSpPr/>
+        <p:nvPr/>
+      </p:nvGrpSpPr>
+      <p:grpSpPr>
+        <a:xfrm>
+          <a:off x="0" y="0"/>
+          <a:ext cx="0" cy="0"/>
+          <a:chOff x="0" y="0"/>
+          <a:chExt cx="0" cy="0"/>
+        </a:xfrm>
+      </p:grpSpPr>
+      <p:sp>
+        <p:nvSpPr>
+          <p:cNvPr id="2" name="Title 1"/>
+          <p:cNvSpPr>
+            <a:spLocks noGrp="1"/>
+          </p:cNvSpPr>
+          <p:nvPr>
+            <p:ph type="title"/>
+          </p:nvPr>
+        </p:nvSpPr>
+        <p:spPr/>
+        <p:txBody>
+          <a:bodyPr/>
+          <a:lstStyle/>
+          <a:p>
+            <a:r>
+              <a:rPr lang="en-US" dirty="0" smtClean="0"/>
+              <a:t>SC length (by chromosome class)</a:t>
+            </a:r>
+            <a:endParaRPr lang="en-US" dirty="0"/>
+          </a:p>
+        </p:txBody>
+      </p:sp>
+      <p:sp>
+        <p:nvSpPr>
+          <p:cNvPr id="3" name="Content Placeholder 2"/>
+          <p:cNvSpPr>
+            <a:spLocks noGrp="1"/>
+          </p:cNvSpPr>
+          <p:nvPr>
+            <p:ph idx="1"/>
+          </p:nvPr>
+        </p:nvSpPr>
+        <p:spPr>
+          <a:xfrm>
+            <a:off x="7069872" y="1825625"/>
+            <a:ext cx="4283927" cy="4351338"/>
+          </a:xfrm>
+        </p:spPr>
+        <p:txBody>
+          <a:bodyPr/>
+          <a:lstStyle/>
+          <a:p>
+            <a:endParaRPr lang="en-US" dirty="0"/>
+          </a:p>
+        </p:txBody>
+      </p:sp>
+      <p:pic>
+        <p:nvPicPr>
+          <p:cNvPr id="4" name="Picture"/>
+          <p:cNvPicPr/>
+          <p:nvPr/>
+        </p:nvPicPr>
+        <p:blipFill>
+          <a:blip r:embed="rId2"/>
+          <a:stretch>
+            <a:fillRect/>
+          </a:stretch>
+        </p:blipFill>
+        <p:spPr bwMode="auto">
+          <a:xfrm>
+            <a:off x="838200" y="1685112"/>
+            <a:ext cx="4619625" cy="3695700"/>
+          </a:xfrm>
+          <a:prstGeom prst="rect">
+            <a:avLst/>
+          </a:prstGeom>
+          <a:noFill/>
+          <a:ln w="9525">
+            <a:noFill/>
+            <a:headEnd/>
+            <a:tailEnd/>
+          </a:ln>
+        </p:spPr>
+      </p:pic>
+      <p:pic>
+        <p:nvPicPr>
+          <p:cNvPr id="5" name="Picture"/>
+          <p:cNvPicPr/>
+          <p:nvPr/>
+        </p:nvPicPr>
+        <p:blipFill>
+          <a:blip r:embed="rId3"/>
+          <a:stretch>
+            <a:fillRect/>
+          </a:stretch>
+        </p:blipFill>
+        <p:spPr bwMode="auto">
+          <a:xfrm>
+            <a:off x="6484782" y="1685112"/>
+            <a:ext cx="4619625" cy="3695700"/>
+          </a:xfrm>
+          <a:prstGeom prst="rect">
+            <a:avLst/>
+          </a:prstGeom>
+          <a:noFill/>
+          <a:ln w="9525">
+            <a:noFill/>
+            <a:headEnd/>
+            <a:tailEnd/>
+          </a:ln>
+        </p:spPr>
+      </p:pic>
+    </p:spTree>
+    <p:extLst>
+      <p:ext uri="{BB962C8B-B14F-4D97-AF65-F5344CB8AC3E}">
+        <p14:creationId xmlns:p14="http://schemas.microsoft.com/office/powerpoint/2010/main" val="1925670534"/>
+      </p:ext>
+    </p:extLst>
+  </p:cSld>
+  <p:clrMapOvr>
+    <a:masterClrMapping/>
+  </p:clrMapOvr>
+</p:sld>
+</file>
+
+<file path=ppt/slides/slide7.xml><?xml version="1.0" encoding="utf-8"?>
+<p:sld xmlns:a="http://schemas.openxmlformats.org/drawingml/2006/main" xmlns:r="http://schemas.openxmlformats.org/officeDocument/2006/relationships" xmlns:p="http://schemas.openxmlformats.org/presentationml/2006/main">
+  <p:cSld>
+    <p:spTree>
+      <p:nvGrpSpPr>
+        <p:cNvPr id="1" name=""/>
+        <p:cNvGrpSpPr/>
+        <p:nvPr/>
+      </p:nvGrpSpPr>
+      <p:grpSpPr>
+        <a:xfrm>
+          <a:off x="0" y="0"/>
+          <a:ext cx="0" cy="0"/>
+          <a:chOff x="0" y="0"/>
+          <a:chExt cx="0" cy="0"/>
+        </a:xfrm>
+      </p:grpSpPr>
+      <p:sp>
+        <p:nvSpPr>
+          <p:cNvPr id="2" name="Title 1"/>
+          <p:cNvSpPr>
+            <a:spLocks noGrp="1"/>
+          </p:cNvSpPr>
+          <p:nvPr>
+            <p:ph type="title"/>
+          </p:nvPr>
+        </p:nvSpPr>
+        <p:spPr/>
+        <p:txBody>
+          <a:bodyPr/>
+          <a:lstStyle/>
+          <a:p>
+            <a:endParaRPr lang="en-US"/>
+          </a:p>
+        </p:txBody>
+      </p:sp>
+      <p:sp>
+        <p:nvSpPr>
+          <p:cNvPr id="3" name="Content Placeholder 2"/>
+          <p:cNvSpPr>
+            <a:spLocks noGrp="1"/>
+          </p:cNvSpPr>
+          <p:nvPr>
+            <p:ph idx="1"/>
+          </p:nvPr>
+        </p:nvSpPr>
+        <p:spPr/>
+        <p:txBody>
+          <a:bodyPr/>
+          <a:lstStyle/>
+          <a:p>
+            <a:endParaRPr lang="en-US"/>
+          </a:p>
+        </p:txBody>
+      </p:sp>
+    </p:spTree>
+    <p:extLst>
+      <p:ext uri="{BB962C8B-B14F-4D97-AF65-F5344CB8AC3E}">
+        <p14:creationId xmlns:p14="http://schemas.microsoft.com/office/powerpoint/2010/main" val="1665848511"/>
+      </p:ext>
+    </p:extLst>
+  </p:cSld>
+  <p:clrMapOvr>
+    <a:masterClrMapping/>
+  </p:clrMapOvr>
+</p:sld>
+</file>
+
+<file path=ppt/slides/slide8.xml><?xml version="1.0" encoding="utf-8"?>
+<p:sld xmlns:a="http://schemas.openxmlformats.org/drawingml/2006/main" xmlns:r="http://schemas.openxmlformats.org/officeDocument/2006/relationships" xmlns:p="http://schemas.openxmlformats.org/presentationml/2006/main">
+  <p:cSld>
+    <p:spTree>
+      <p:nvGrpSpPr>
+        <p:cNvPr id="1" name=""/>
+        <p:cNvGrpSpPr/>
+        <p:nvPr/>
+      </p:nvGrpSpPr>
+      <p:grpSpPr>
+        <a:xfrm>
+          <a:off x="0" y="0"/>
+          <a:ext cx="0" cy="0"/>
+          <a:chOff x="0" y="0"/>
+          <a:chExt cx="0" cy="0"/>
+        </a:xfrm>
+      </p:grpSpPr>
+      <p:sp>
+        <p:nvSpPr>
+          <p:cNvPr id="2" name="Title 1"/>
+          <p:cNvSpPr>
+            <a:spLocks noGrp="1"/>
+          </p:cNvSpPr>
+          <p:nvPr>
+            <p:ph type="title"/>
+          </p:nvPr>
+        </p:nvSpPr>
+        <p:spPr/>
+        <p:txBody>
+          <a:bodyPr/>
+          <a:lstStyle/>
+          <a:p>
+            <a:r>
+              <a:rPr lang="en-US" dirty="0" smtClean="0"/>
+              <a:t>Q2 SC differences</a:t>
+            </a:r>
+            <a:endParaRPr lang="en-US" dirty="0"/>
+          </a:p>
+        </p:txBody>
+      </p:sp>
+      <p:sp>
+        <p:nvSpPr>
+          <p:cNvPr id="3" name="Content Placeholder 2"/>
+          <p:cNvSpPr>
+            <a:spLocks noGrp="1"/>
+          </p:cNvSpPr>
+          <p:nvPr>
+            <p:ph idx="1"/>
+          </p:nvPr>
+        </p:nvSpPr>
+        <p:spPr>
+          <a:xfrm>
+            <a:off x="5754028" y="1825625"/>
+            <a:ext cx="5599771" cy="4351338"/>
+          </a:xfrm>
+        </p:spPr>
+        <p:txBody>
+          <a:bodyPr/>
+          <a:lstStyle/>
+          <a:p>
+            <a:endParaRPr lang="en-US" dirty="0"/>
+          </a:p>
+        </p:txBody>
+      </p:sp>
+      <p:pic>
+        <p:nvPicPr>
+          <p:cNvPr id="4" name="Picture"/>
+          <p:cNvPicPr/>
+          <p:nvPr/>
+        </p:nvPicPr>
+        <p:blipFill>
+          <a:blip r:embed="rId3"/>
+          <a:stretch>
+            <a:fillRect/>
+          </a:stretch>
+        </p:blipFill>
+        <p:spPr bwMode="auto">
+          <a:xfrm>
+            <a:off x="641543" y="2696272"/>
+            <a:ext cx="4619625" cy="3695700"/>
+          </a:xfrm>
+          <a:prstGeom prst="rect">
+            <a:avLst/>
+          </a:prstGeom>
+          <a:noFill/>
+          <a:ln w="9525">
+            <a:noFill/>
+            <a:headEnd/>
+            <a:tailEnd/>
+          </a:ln>
+        </p:spPr>
+      </p:pic>
+      <p:pic>
+        <p:nvPicPr>
+          <p:cNvPr id="5" name="Picture"/>
+          <p:cNvPicPr/>
+          <p:nvPr/>
+        </p:nvPicPr>
+        <p:blipFill>
+          <a:blip r:embed="rId4"/>
+          <a:stretch>
+            <a:fillRect/>
+          </a:stretch>
+        </p:blipFill>
+        <p:spPr bwMode="auto">
+          <a:xfrm>
+            <a:off x="5481173" y="2481263"/>
+            <a:ext cx="4619625" cy="3695700"/>
+          </a:xfrm>
+          <a:prstGeom prst="rect">
+            <a:avLst/>
+          </a:prstGeom>
+          <a:noFill/>
+          <a:ln w="9525">
+            <a:noFill/>
+            <a:headEnd/>
+            <a:tailEnd/>
+          </a:ln>
+        </p:spPr>
+      </p:pic>
+    </p:spTree>
+    <p:extLst>
+      <p:ext uri="{BB962C8B-B14F-4D97-AF65-F5344CB8AC3E}">
+        <p14:creationId xmlns:p14="http://schemas.microsoft.com/office/powerpoint/2010/main" val="3221939421"/>
+      </p:ext>
+    </p:extLst>
+  </p:cSld>
+  <p:clrMapOvr>
+    <a:masterClrMapping/>
+  </p:clrMapOvr>
 </p:sld>
 </file>
 

--- a/Figure.Ideas.pptx
+++ b/Figure.Ideas.pptx
@@ -950,7 +950,7 @@
           <a:bodyPr/>
           <a:lstStyle/>
           <a:p>
-            <a:endParaRPr lang="en-US"/>
+            <a:endParaRPr lang="en-US" dirty="0"/>
           </a:p>
         </p:txBody>
       </p:sp>

--- a/Figure.Ideas.pptx
+++ b/Figure.Ideas.pptx
@@ -5,17 +5,20 @@
     <p:sldMasterId id="2147483648" r:id="rId1"/>
   </p:sldMasterIdLst>
   <p:notesMasterIdLst>
-    <p:notesMasterId r:id="rId10"/>
+    <p:notesMasterId r:id="rId13"/>
   </p:notesMasterIdLst>
   <p:sldIdLst>
     <p:sldId id="257" r:id="rId2"/>
     <p:sldId id="260" r:id="rId3"/>
     <p:sldId id="258" r:id="rId4"/>
     <p:sldId id="261" r:id="rId5"/>
-    <p:sldId id="256" r:id="rId6"/>
-    <p:sldId id="259" r:id="rId7"/>
-    <p:sldId id="262" r:id="rId8"/>
-    <p:sldId id="263" r:id="rId9"/>
+    <p:sldId id="264" r:id="rId6"/>
+    <p:sldId id="266" r:id="rId7"/>
+    <p:sldId id="265" r:id="rId8"/>
+    <p:sldId id="267" r:id="rId9"/>
+    <p:sldId id="259" r:id="rId10"/>
+    <p:sldId id="262" r:id="rId11"/>
+    <p:sldId id="263" r:id="rId12"/>
   </p:sldIdLst>
   <p:sldSz cx="12192000" cy="6858000"/>
   <p:notesSz cx="6858000" cy="9144000"/>
@@ -117,7 +120,7 @@
   <p:extLst>
     <p:ext uri="{EFAFB233-063F-42B5-8137-9DF3F51BA10A}">
       <p15:sldGuideLst xmlns:p15="http://schemas.microsoft.com/office/powerpoint/2012/main">
-        <p15:guide id="1" orient="horz" pos="2160" userDrawn="1">
+        <p15:guide id="1" orient="horz" pos="1752" userDrawn="1">
           <p15:clr>
             <a:srgbClr val="A4A3A4"/>
           </p15:clr>
@@ -215,7 +218,7 @@
           <a:p>
             <a:fld id="{E5748B63-5BB5-407E-80AF-8E86B5EDE4BB}" type="datetimeFigureOut">
               <a:rPr lang="en-US" smtClean="0"/>
-              <a:t>4/9/2020</a:t>
+              <a:t>4/14/2020</a:t>
             </a:fld>
             <a:endParaRPr lang="en-US"/>
           </a:p>
@@ -783,90 +786,7 @@
           <a:bodyPr/>
           <a:lstStyle/>
           <a:p>
-            <a:r>
-              <a:rPr lang="en-US" dirty="0" smtClean="0"/>
-              <a:t>Interference</a:t>
-            </a:r>
-            <a:r>
-              <a:rPr lang="en-US" baseline="0" dirty="0" smtClean="0"/>
-              <a:t> strength examples</a:t>
-            </a:r>
-          </a:p>
-          <a:p>
-            <a:r>
-              <a:rPr lang="en-US" baseline="0" dirty="0" smtClean="0"/>
-              <a:t>(based on </a:t>
-            </a:r>
-            <a:r>
-              <a:rPr lang="en-US" baseline="0" dirty="0" err="1" smtClean="0"/>
-              <a:t>Dourad</a:t>
-            </a:r>
-            <a:r>
-              <a:rPr lang="en-US" baseline="0" dirty="0" smtClean="0"/>
-              <a:t> et al (link)</a:t>
-            </a:r>
-          </a:p>
-          <a:p>
-            <a:endParaRPr lang="en-US" baseline="0" dirty="0" smtClean="0"/>
-          </a:p>
-          <a:p>
-            <a:r>
-              <a:rPr lang="en-US" baseline="0" dirty="0" smtClean="0"/>
-              <a:t>Generic example plot;</a:t>
-            </a:r>
-          </a:p>
-          <a:p>
-            <a:r>
-              <a:rPr lang="en-US" baseline="0" dirty="0" smtClean="0"/>
-              <a:t>Show the difference in IFD length via closeness to diagonal line. Put example </a:t>
-            </a:r>
-          </a:p>
-          <a:p>
-            <a:endParaRPr lang="en-US" baseline="0" dirty="0" smtClean="0"/>
-          </a:p>
-          <a:p>
-            <a:r>
-              <a:rPr lang="en-US" baseline="0" dirty="0" smtClean="0"/>
-              <a:t>(could try 3 axis for the 3 COs)</a:t>
-            </a:r>
-          </a:p>
-          <a:p>
-            <a:endParaRPr lang="en-US" baseline="0" dirty="0" smtClean="0"/>
-          </a:p>
-          <a:p>
-            <a:r>
-              <a:rPr lang="en-US" baseline="0" dirty="0" smtClean="0"/>
-              <a:t>Centromere – </a:t>
-            </a:r>
-            <a:r>
-              <a:rPr lang="en-US" baseline="0" dirty="0" err="1" smtClean="0"/>
-              <a:t>supression</a:t>
-            </a:r>
-            <a:r>
-              <a:rPr lang="en-US" baseline="0" dirty="0" smtClean="0"/>
-              <a:t>,</a:t>
-            </a:r>
-          </a:p>
-          <a:p>
-            <a:r>
-              <a:rPr lang="en-US" baseline="0" dirty="0" smtClean="0"/>
-              <a:t>Male – female difference – telomere bias (the enriched points around the top of plot</a:t>
-            </a:r>
-          </a:p>
-          <a:p>
-            <a:endParaRPr lang="en-US" baseline="0" dirty="0" smtClean="0"/>
-          </a:p>
-          <a:p>
-            <a:r>
-              <a:rPr lang="en-US" baseline="0" dirty="0" smtClean="0"/>
-              <a:t>PWD – DOM, differences not quite clear  (in contrast to the boxplots)</a:t>
-            </a:r>
-          </a:p>
-          <a:p>
-            <a:endParaRPr lang="en-US" baseline="0" dirty="0" smtClean="0"/>
-          </a:p>
-          <a:p>
-            <a:endParaRPr lang="en-US" baseline="0" dirty="0" smtClean="0"/>
+            <a:endParaRPr lang="en-US" dirty="0"/>
           </a:p>
         </p:txBody>
       </p:sp>
@@ -896,7 +816,7 @@
     </p:spTree>
     <p:extLst>
       <p:ext uri="{BB962C8B-B14F-4D97-AF65-F5344CB8AC3E}">
-        <p14:creationId xmlns:p14="http://schemas.microsoft.com/office/powerpoint/2010/main" val="2307529238"/>
+        <p14:creationId xmlns:p14="http://schemas.microsoft.com/office/powerpoint/2010/main" val="1969744688"/>
       </p:ext>
     </p:extLst>
   </p:cSld>
@@ -971,7 +891,425 @@
           <a:p>
             <a:fld id="{D836B551-2E43-4FFE-9FE2-782B1B7A4E04}" type="slidenum">
               <a:rPr lang="en-US" smtClean="0"/>
+              <a:t>6</a:t>
+            </a:fld>
+            <a:endParaRPr lang="en-US"/>
+          </a:p>
+        </p:txBody>
+      </p:sp>
+    </p:spTree>
+    <p:extLst>
+      <p:ext uri="{BB962C8B-B14F-4D97-AF65-F5344CB8AC3E}">
+        <p14:creationId xmlns:p14="http://schemas.microsoft.com/office/powerpoint/2010/main" val="4005353542"/>
+      </p:ext>
+    </p:extLst>
+  </p:cSld>
+  <p:clrMapOvr>
+    <a:masterClrMapping/>
+  </p:clrMapOvr>
+</p:notes>
+</file>
+
+<file path=ppt/notesSlides/notesSlide6.xml><?xml version="1.0" encoding="utf-8"?>
+<p:notes xmlns:a="http://schemas.openxmlformats.org/drawingml/2006/main" xmlns:r="http://schemas.openxmlformats.org/officeDocument/2006/relationships" xmlns:p="http://schemas.openxmlformats.org/presentationml/2006/main">
+  <p:cSld>
+    <p:spTree>
+      <p:nvGrpSpPr>
+        <p:cNvPr id="1" name=""/>
+        <p:cNvGrpSpPr/>
+        <p:nvPr/>
+      </p:nvGrpSpPr>
+      <p:grpSpPr>
+        <a:xfrm>
+          <a:off x="0" y="0"/>
+          <a:ext cx="0" cy="0"/>
+          <a:chOff x="0" y="0"/>
+          <a:chExt cx="0" cy="0"/>
+        </a:xfrm>
+      </p:grpSpPr>
+      <p:sp>
+        <p:nvSpPr>
+          <p:cNvPr id="2" name="Slide Image Placeholder 1"/>
+          <p:cNvSpPr>
+            <a:spLocks noGrp="1" noRot="1" noChangeAspect="1"/>
+          </p:cNvSpPr>
+          <p:nvPr>
+            <p:ph type="sldImg"/>
+          </p:nvPr>
+        </p:nvSpPr>
+        <p:spPr/>
+      </p:sp>
+      <p:sp>
+        <p:nvSpPr>
+          <p:cNvPr id="3" name="Notes Placeholder 2"/>
+          <p:cNvSpPr>
+            <a:spLocks noGrp="1"/>
+          </p:cNvSpPr>
+          <p:nvPr>
+            <p:ph type="body" idx="1"/>
+          </p:nvPr>
+        </p:nvSpPr>
+        <p:spPr/>
+        <p:txBody>
+          <a:bodyPr/>
+          <a:lstStyle/>
+          <a:p>
+            <a:r>
+              <a:rPr lang="en-US" dirty="0" smtClean="0"/>
+              <a:t>Interference</a:t>
+            </a:r>
+            <a:r>
+              <a:rPr lang="en-US" baseline="0" dirty="0" smtClean="0"/>
+              <a:t> strength examples</a:t>
+            </a:r>
+          </a:p>
+          <a:p>
+            <a:r>
+              <a:rPr lang="en-US" baseline="0" dirty="0" smtClean="0"/>
+              <a:t>(based on </a:t>
+            </a:r>
+            <a:r>
+              <a:rPr lang="en-US" baseline="0" dirty="0" err="1" smtClean="0"/>
+              <a:t>Dourad</a:t>
+            </a:r>
+            <a:r>
+              <a:rPr lang="en-US" baseline="0" dirty="0" smtClean="0"/>
+              <a:t> et al (link)</a:t>
+            </a:r>
+          </a:p>
+          <a:p>
+            <a:endParaRPr lang="en-US" baseline="0" dirty="0" smtClean="0"/>
+          </a:p>
+          <a:p>
+            <a:r>
+              <a:rPr lang="en-US" baseline="0" dirty="0" smtClean="0"/>
+              <a:t>Generic example plot;</a:t>
+            </a:r>
+          </a:p>
+          <a:p>
+            <a:r>
+              <a:rPr lang="en-US" baseline="0" dirty="0" smtClean="0"/>
+              <a:t>Show the difference in IFD length via closeness to diagonal line. Put example </a:t>
+            </a:r>
+          </a:p>
+          <a:p>
+            <a:endParaRPr lang="en-US" baseline="0" dirty="0" smtClean="0"/>
+          </a:p>
+          <a:p>
+            <a:r>
+              <a:rPr lang="en-US" baseline="0" dirty="0" smtClean="0"/>
+              <a:t>(could try 3 axis for the 3 COs)</a:t>
+            </a:r>
+          </a:p>
+          <a:p>
+            <a:endParaRPr lang="en-US" baseline="0" dirty="0" smtClean="0"/>
+          </a:p>
+          <a:p>
+            <a:r>
+              <a:rPr lang="en-US" baseline="0" dirty="0" smtClean="0"/>
+              <a:t>Centromere – </a:t>
+            </a:r>
+            <a:r>
+              <a:rPr lang="en-US" baseline="0" dirty="0" err="1" smtClean="0"/>
+              <a:t>supression</a:t>
+            </a:r>
+            <a:r>
+              <a:rPr lang="en-US" baseline="0" dirty="0" smtClean="0"/>
+              <a:t>,</a:t>
+            </a:r>
+          </a:p>
+          <a:p>
+            <a:r>
+              <a:rPr lang="en-US" baseline="0" dirty="0" smtClean="0"/>
+              <a:t>Male – female difference – telomere bias (the enriched points around the top of plot</a:t>
+            </a:r>
+          </a:p>
+          <a:p>
+            <a:endParaRPr lang="en-US" baseline="0" dirty="0" smtClean="0"/>
+          </a:p>
+          <a:p>
+            <a:r>
+              <a:rPr lang="en-US" baseline="0" dirty="0" smtClean="0"/>
+              <a:t>PWD – DOM, differences not quite clear  (in contrast to the boxplots)</a:t>
+            </a:r>
+          </a:p>
+          <a:p>
+            <a:endParaRPr lang="en-US" baseline="0" dirty="0" smtClean="0"/>
+          </a:p>
+          <a:p>
+            <a:endParaRPr lang="en-US" baseline="0" dirty="0" smtClean="0"/>
+          </a:p>
+        </p:txBody>
+      </p:sp>
+      <p:sp>
+        <p:nvSpPr>
+          <p:cNvPr id="4" name="Slide Number Placeholder 3"/>
+          <p:cNvSpPr>
+            <a:spLocks noGrp="1"/>
+          </p:cNvSpPr>
+          <p:nvPr>
+            <p:ph type="sldNum" sz="quarter" idx="10"/>
+          </p:nvPr>
+        </p:nvSpPr>
+        <p:spPr/>
+        <p:txBody>
+          <a:bodyPr/>
+          <a:lstStyle/>
+          <a:p>
+            <a:fld id="{D836B551-2E43-4FFE-9FE2-782B1B7A4E04}" type="slidenum">
+              <a:rPr lang="en-US" smtClean="0"/>
+              <a:t>7</a:t>
+            </a:fld>
+            <a:endParaRPr lang="en-US"/>
+          </a:p>
+        </p:txBody>
+      </p:sp>
+    </p:spTree>
+    <p:extLst>
+      <p:ext uri="{BB962C8B-B14F-4D97-AF65-F5344CB8AC3E}">
+        <p14:creationId xmlns:p14="http://schemas.microsoft.com/office/powerpoint/2010/main" val="3980676527"/>
+      </p:ext>
+    </p:extLst>
+  </p:cSld>
+  <p:clrMapOvr>
+    <a:masterClrMapping/>
+  </p:clrMapOvr>
+</p:notes>
+</file>
+
+<file path=ppt/notesSlides/notesSlide7.xml><?xml version="1.0" encoding="utf-8"?>
+<p:notes xmlns:a="http://schemas.openxmlformats.org/drawingml/2006/main" xmlns:r="http://schemas.openxmlformats.org/officeDocument/2006/relationships" xmlns:p="http://schemas.openxmlformats.org/presentationml/2006/main">
+  <p:cSld>
+    <p:spTree>
+      <p:nvGrpSpPr>
+        <p:cNvPr id="1" name=""/>
+        <p:cNvGrpSpPr/>
+        <p:nvPr/>
+      </p:nvGrpSpPr>
+      <p:grpSpPr>
+        <a:xfrm>
+          <a:off x="0" y="0"/>
+          <a:ext cx="0" cy="0"/>
+          <a:chOff x="0" y="0"/>
+          <a:chExt cx="0" cy="0"/>
+        </a:xfrm>
+      </p:grpSpPr>
+      <p:sp>
+        <p:nvSpPr>
+          <p:cNvPr id="2" name="Slide Image Placeholder 1"/>
+          <p:cNvSpPr>
+            <a:spLocks noGrp="1" noRot="1" noChangeAspect="1"/>
+          </p:cNvSpPr>
+          <p:nvPr>
+            <p:ph type="sldImg"/>
+          </p:nvPr>
+        </p:nvSpPr>
+        <p:spPr/>
+      </p:sp>
+      <p:sp>
+        <p:nvSpPr>
+          <p:cNvPr id="3" name="Notes Placeholder 2"/>
+          <p:cNvSpPr>
+            <a:spLocks noGrp="1"/>
+          </p:cNvSpPr>
+          <p:nvPr>
+            <p:ph type="body" idx="1"/>
+          </p:nvPr>
+        </p:nvSpPr>
+        <p:spPr/>
+        <p:txBody>
+          <a:bodyPr/>
+          <a:lstStyle/>
+          <a:p>
+            <a:r>
+              <a:rPr lang="en-US" dirty="0" smtClean="0"/>
+              <a:t>Interference</a:t>
+            </a:r>
+            <a:r>
+              <a:rPr lang="en-US" baseline="0" dirty="0" smtClean="0"/>
+              <a:t> strength examples</a:t>
+            </a:r>
+          </a:p>
+          <a:p>
+            <a:r>
+              <a:rPr lang="en-US" baseline="0" dirty="0" smtClean="0"/>
+              <a:t>(based on </a:t>
+            </a:r>
+            <a:r>
+              <a:rPr lang="en-US" baseline="0" dirty="0" err="1" smtClean="0"/>
+              <a:t>Dourad</a:t>
+            </a:r>
+            <a:r>
+              <a:rPr lang="en-US" baseline="0" dirty="0" smtClean="0"/>
+              <a:t> et al (link)</a:t>
+            </a:r>
+          </a:p>
+          <a:p>
+            <a:endParaRPr lang="en-US" baseline="0" dirty="0" smtClean="0"/>
+          </a:p>
+          <a:p>
+            <a:r>
+              <a:rPr lang="en-US" baseline="0" dirty="0" smtClean="0"/>
+              <a:t>Generic example plot;</a:t>
+            </a:r>
+          </a:p>
+          <a:p>
+            <a:r>
+              <a:rPr lang="en-US" baseline="0" dirty="0" smtClean="0"/>
+              <a:t>Show the difference in IFD length via closeness to diagonal line. Put example </a:t>
+            </a:r>
+          </a:p>
+          <a:p>
+            <a:endParaRPr lang="en-US" baseline="0" dirty="0" smtClean="0"/>
+          </a:p>
+          <a:p>
+            <a:r>
+              <a:rPr lang="en-US" baseline="0" dirty="0" smtClean="0"/>
+              <a:t>(could try 3 axis for the 3 COs)</a:t>
+            </a:r>
+          </a:p>
+          <a:p>
+            <a:endParaRPr lang="en-US" baseline="0" dirty="0" smtClean="0"/>
+          </a:p>
+          <a:p>
+            <a:r>
+              <a:rPr lang="en-US" baseline="0" dirty="0" smtClean="0"/>
+              <a:t>Centromere – </a:t>
+            </a:r>
+            <a:r>
+              <a:rPr lang="en-US" baseline="0" dirty="0" err="1" smtClean="0"/>
+              <a:t>supression</a:t>
+            </a:r>
+            <a:r>
+              <a:rPr lang="en-US" baseline="0" dirty="0" smtClean="0"/>
+              <a:t>,</a:t>
+            </a:r>
+          </a:p>
+          <a:p>
+            <a:r>
+              <a:rPr lang="en-US" baseline="0" dirty="0" smtClean="0"/>
+              <a:t>Male – female difference – telomere bias (the enriched points around the top of plot</a:t>
+            </a:r>
+          </a:p>
+          <a:p>
+            <a:endParaRPr lang="en-US" baseline="0" dirty="0" smtClean="0"/>
+          </a:p>
+          <a:p>
+            <a:r>
+              <a:rPr lang="en-US" baseline="0" dirty="0" smtClean="0"/>
+              <a:t>PWD – DOM, differences not quite clear  (in contrast to the boxplots)</a:t>
+            </a:r>
+          </a:p>
+          <a:p>
+            <a:endParaRPr lang="en-US" baseline="0" dirty="0" smtClean="0"/>
+          </a:p>
+          <a:p>
+            <a:endParaRPr lang="en-US" baseline="0" dirty="0" smtClean="0"/>
+          </a:p>
+        </p:txBody>
+      </p:sp>
+      <p:sp>
+        <p:nvSpPr>
+          <p:cNvPr id="4" name="Slide Number Placeholder 3"/>
+          <p:cNvSpPr>
+            <a:spLocks noGrp="1"/>
+          </p:cNvSpPr>
+          <p:nvPr>
+            <p:ph type="sldNum" sz="quarter" idx="10"/>
+          </p:nvPr>
+        </p:nvSpPr>
+        <p:spPr/>
+        <p:txBody>
+          <a:bodyPr/>
+          <a:lstStyle/>
+          <a:p>
+            <a:fld id="{D836B551-2E43-4FFE-9FE2-782B1B7A4E04}" type="slidenum">
+              <a:rPr lang="en-US" smtClean="0"/>
               <a:t>8</a:t>
+            </a:fld>
+            <a:endParaRPr lang="en-US"/>
+          </a:p>
+        </p:txBody>
+      </p:sp>
+    </p:spTree>
+    <p:extLst>
+      <p:ext uri="{BB962C8B-B14F-4D97-AF65-F5344CB8AC3E}">
+        <p14:creationId xmlns:p14="http://schemas.microsoft.com/office/powerpoint/2010/main" val="2543930522"/>
+      </p:ext>
+    </p:extLst>
+  </p:cSld>
+  <p:clrMapOvr>
+    <a:masterClrMapping/>
+  </p:clrMapOvr>
+</p:notes>
+</file>
+
+<file path=ppt/notesSlides/notesSlide8.xml><?xml version="1.0" encoding="utf-8"?>
+<p:notes xmlns:a="http://schemas.openxmlformats.org/drawingml/2006/main" xmlns:r="http://schemas.openxmlformats.org/officeDocument/2006/relationships" xmlns:p="http://schemas.openxmlformats.org/presentationml/2006/main">
+  <p:cSld>
+    <p:spTree>
+      <p:nvGrpSpPr>
+        <p:cNvPr id="1" name=""/>
+        <p:cNvGrpSpPr/>
+        <p:nvPr/>
+      </p:nvGrpSpPr>
+      <p:grpSpPr>
+        <a:xfrm>
+          <a:off x="0" y="0"/>
+          <a:ext cx="0" cy="0"/>
+          <a:chOff x="0" y="0"/>
+          <a:chExt cx="0" cy="0"/>
+        </a:xfrm>
+      </p:grpSpPr>
+      <p:sp>
+        <p:nvSpPr>
+          <p:cNvPr id="2" name="Slide Image Placeholder 1"/>
+          <p:cNvSpPr>
+            <a:spLocks noGrp="1" noRot="1" noChangeAspect="1"/>
+          </p:cNvSpPr>
+          <p:nvPr>
+            <p:ph type="sldImg"/>
+          </p:nvPr>
+        </p:nvSpPr>
+        <p:spPr/>
+      </p:sp>
+      <p:sp>
+        <p:nvSpPr>
+          <p:cNvPr id="3" name="Notes Placeholder 2"/>
+          <p:cNvSpPr>
+            <a:spLocks noGrp="1"/>
+          </p:cNvSpPr>
+          <p:nvPr>
+            <p:ph type="body" idx="1"/>
+          </p:nvPr>
+        </p:nvSpPr>
+        <p:spPr/>
+        <p:txBody>
+          <a:bodyPr/>
+          <a:lstStyle/>
+          <a:p>
+            <a:endParaRPr lang="en-US" dirty="0"/>
+          </a:p>
+        </p:txBody>
+      </p:sp>
+      <p:sp>
+        <p:nvSpPr>
+          <p:cNvPr id="4" name="Slide Number Placeholder 3"/>
+          <p:cNvSpPr>
+            <a:spLocks noGrp="1"/>
+          </p:cNvSpPr>
+          <p:nvPr>
+            <p:ph type="sldNum" sz="quarter" idx="10"/>
+          </p:nvPr>
+        </p:nvSpPr>
+        <p:spPr/>
+        <p:txBody>
+          <a:bodyPr/>
+          <a:lstStyle/>
+          <a:p>
+            <a:fld id="{D836B551-2E43-4FFE-9FE2-782B1B7A4E04}" type="slidenum">
+              <a:rPr lang="en-US" smtClean="0"/>
+              <a:t>11</a:t>
             </a:fld>
             <a:endParaRPr lang="en-US"/>
           </a:p>
@@ -1121,7 +1459,7 @@
           <a:p>
             <a:fld id="{03681C2C-16DA-40AA-A93A-93C542D4C8DB}" type="datetimeFigureOut">
               <a:rPr lang="en-US" smtClean="0"/>
-              <a:t>4/9/2020</a:t>
+              <a:t>4/14/2020</a:t>
             </a:fld>
             <a:endParaRPr lang="en-US"/>
           </a:p>
@@ -1291,7 +1629,7 @@
           <a:p>
             <a:fld id="{03681C2C-16DA-40AA-A93A-93C542D4C8DB}" type="datetimeFigureOut">
               <a:rPr lang="en-US" smtClean="0"/>
-              <a:t>4/9/2020</a:t>
+              <a:t>4/14/2020</a:t>
             </a:fld>
             <a:endParaRPr lang="en-US"/>
           </a:p>
@@ -1471,7 +1809,7 @@
           <a:p>
             <a:fld id="{03681C2C-16DA-40AA-A93A-93C542D4C8DB}" type="datetimeFigureOut">
               <a:rPr lang="en-US" smtClean="0"/>
-              <a:t>4/9/2020</a:t>
+              <a:t>4/14/2020</a:t>
             </a:fld>
             <a:endParaRPr lang="en-US"/>
           </a:p>
@@ -1641,7 +1979,7 @@
           <a:p>
             <a:fld id="{03681C2C-16DA-40AA-A93A-93C542D4C8DB}" type="datetimeFigureOut">
               <a:rPr lang="en-US" smtClean="0"/>
-              <a:t>4/9/2020</a:t>
+              <a:t>4/14/2020</a:t>
             </a:fld>
             <a:endParaRPr lang="en-US"/>
           </a:p>
@@ -1887,7 +2225,7 @@
           <a:p>
             <a:fld id="{03681C2C-16DA-40AA-A93A-93C542D4C8DB}" type="datetimeFigureOut">
               <a:rPr lang="en-US" smtClean="0"/>
-              <a:t>4/9/2020</a:t>
+              <a:t>4/14/2020</a:t>
             </a:fld>
             <a:endParaRPr lang="en-US"/>
           </a:p>
@@ -2119,7 +2457,7 @@
           <a:p>
             <a:fld id="{03681C2C-16DA-40AA-A93A-93C542D4C8DB}" type="datetimeFigureOut">
               <a:rPr lang="en-US" smtClean="0"/>
-              <a:t>4/9/2020</a:t>
+              <a:t>4/14/2020</a:t>
             </a:fld>
             <a:endParaRPr lang="en-US"/>
           </a:p>
@@ -2486,7 +2824,7 @@
           <a:p>
             <a:fld id="{03681C2C-16DA-40AA-A93A-93C542D4C8DB}" type="datetimeFigureOut">
               <a:rPr lang="en-US" smtClean="0"/>
-              <a:t>4/9/2020</a:t>
+              <a:t>4/14/2020</a:t>
             </a:fld>
             <a:endParaRPr lang="en-US"/>
           </a:p>
@@ -2604,7 +2942,7 @@
           <a:p>
             <a:fld id="{03681C2C-16DA-40AA-A93A-93C542D4C8DB}" type="datetimeFigureOut">
               <a:rPr lang="en-US" smtClean="0"/>
-              <a:t>4/9/2020</a:t>
+              <a:t>4/14/2020</a:t>
             </a:fld>
             <a:endParaRPr lang="en-US"/>
           </a:p>
@@ -2699,7 +3037,7 @@
           <a:p>
             <a:fld id="{03681C2C-16DA-40AA-A93A-93C542D4C8DB}" type="datetimeFigureOut">
               <a:rPr lang="en-US" smtClean="0"/>
-              <a:t>4/9/2020</a:t>
+              <a:t>4/14/2020</a:t>
             </a:fld>
             <a:endParaRPr lang="en-US"/>
           </a:p>
@@ -2976,7 +3314,7 @@
           <a:p>
             <a:fld id="{03681C2C-16DA-40AA-A93A-93C542D4C8DB}" type="datetimeFigureOut">
               <a:rPr lang="en-US" smtClean="0"/>
-              <a:t>4/9/2020</a:t>
+              <a:t>4/14/2020</a:t>
             </a:fld>
             <a:endParaRPr lang="en-US"/>
           </a:p>
@@ -3229,7 +3567,7 @@
           <a:p>
             <a:fld id="{03681C2C-16DA-40AA-A93A-93C542D4C8DB}" type="datetimeFigureOut">
               <a:rPr lang="en-US" smtClean="0"/>
-              <a:t>4/9/2020</a:t>
+              <a:t>4/14/2020</a:t>
             </a:fld>
             <a:endParaRPr lang="en-US"/>
           </a:p>
@@ -3442,7 +3780,7 @@
           <a:p>
             <a:fld id="{03681C2C-16DA-40AA-A93A-93C542D4C8DB}" type="datetimeFigureOut">
               <a:rPr lang="en-US" smtClean="0"/>
-              <a:t>4/9/2020</a:t>
+              <a:t>4/14/2020</a:t>
             </a:fld>
             <a:endParaRPr lang="en-US"/>
           </a:p>
@@ -3935,6 +4273,207 @@
 </p:sld>
 </file>
 
+<file path=ppt/slides/slide10.xml><?xml version="1.0" encoding="utf-8"?>
+<p:sld xmlns:a="http://schemas.openxmlformats.org/drawingml/2006/main" xmlns:r="http://schemas.openxmlformats.org/officeDocument/2006/relationships" xmlns:p="http://schemas.openxmlformats.org/presentationml/2006/main">
+  <p:cSld>
+    <p:spTree>
+      <p:nvGrpSpPr>
+        <p:cNvPr id="1" name=""/>
+        <p:cNvGrpSpPr/>
+        <p:nvPr/>
+      </p:nvGrpSpPr>
+      <p:grpSpPr>
+        <a:xfrm>
+          <a:off x="0" y="0"/>
+          <a:ext cx="0" cy="0"/>
+          <a:chOff x="0" y="0"/>
+          <a:chExt cx="0" cy="0"/>
+        </a:xfrm>
+      </p:grpSpPr>
+      <p:sp>
+        <p:nvSpPr>
+          <p:cNvPr id="2" name="Title 1"/>
+          <p:cNvSpPr>
+            <a:spLocks noGrp="1"/>
+          </p:cNvSpPr>
+          <p:nvPr>
+            <p:ph type="title"/>
+          </p:nvPr>
+        </p:nvSpPr>
+        <p:spPr/>
+        <p:txBody>
+          <a:bodyPr/>
+          <a:lstStyle/>
+          <a:p>
+            <a:endParaRPr lang="en-US"/>
+          </a:p>
+        </p:txBody>
+      </p:sp>
+      <p:sp>
+        <p:nvSpPr>
+          <p:cNvPr id="3" name="Content Placeholder 2"/>
+          <p:cNvSpPr>
+            <a:spLocks noGrp="1"/>
+          </p:cNvSpPr>
+          <p:nvPr>
+            <p:ph idx="1"/>
+          </p:nvPr>
+        </p:nvSpPr>
+        <p:spPr/>
+        <p:txBody>
+          <a:bodyPr/>
+          <a:lstStyle/>
+          <a:p>
+            <a:endParaRPr lang="en-US"/>
+          </a:p>
+        </p:txBody>
+      </p:sp>
+    </p:spTree>
+    <p:extLst>
+      <p:ext uri="{BB962C8B-B14F-4D97-AF65-F5344CB8AC3E}">
+        <p14:creationId xmlns:p14="http://schemas.microsoft.com/office/powerpoint/2010/main" val="1665848511"/>
+      </p:ext>
+    </p:extLst>
+  </p:cSld>
+  <p:clrMapOvr>
+    <a:masterClrMapping/>
+  </p:clrMapOvr>
+</p:sld>
+</file>
+
+<file path=ppt/slides/slide11.xml><?xml version="1.0" encoding="utf-8"?>
+<p:sld xmlns:a="http://schemas.openxmlformats.org/drawingml/2006/main" xmlns:r="http://schemas.openxmlformats.org/officeDocument/2006/relationships" xmlns:p="http://schemas.openxmlformats.org/presentationml/2006/main">
+  <p:cSld>
+    <p:spTree>
+      <p:nvGrpSpPr>
+        <p:cNvPr id="1" name=""/>
+        <p:cNvGrpSpPr/>
+        <p:nvPr/>
+      </p:nvGrpSpPr>
+      <p:grpSpPr>
+        <a:xfrm>
+          <a:off x="0" y="0"/>
+          <a:ext cx="0" cy="0"/>
+          <a:chOff x="0" y="0"/>
+          <a:chExt cx="0" cy="0"/>
+        </a:xfrm>
+      </p:grpSpPr>
+      <p:sp>
+        <p:nvSpPr>
+          <p:cNvPr id="2" name="Title 1"/>
+          <p:cNvSpPr>
+            <a:spLocks noGrp="1"/>
+          </p:cNvSpPr>
+          <p:nvPr>
+            <p:ph type="title"/>
+          </p:nvPr>
+        </p:nvSpPr>
+        <p:spPr/>
+        <p:txBody>
+          <a:bodyPr/>
+          <a:lstStyle/>
+          <a:p>
+            <a:r>
+              <a:rPr lang="en-US" dirty="0" smtClean="0"/>
+              <a:t>Q2 SC differences</a:t>
+            </a:r>
+            <a:endParaRPr lang="en-US" dirty="0"/>
+          </a:p>
+        </p:txBody>
+      </p:sp>
+      <p:sp>
+        <p:nvSpPr>
+          <p:cNvPr id="3" name="Content Placeholder 2"/>
+          <p:cNvSpPr>
+            <a:spLocks noGrp="1"/>
+          </p:cNvSpPr>
+          <p:nvPr>
+            <p:ph idx="1"/>
+          </p:nvPr>
+        </p:nvSpPr>
+        <p:spPr>
+          <a:xfrm>
+            <a:off x="5754028" y="1825625"/>
+            <a:ext cx="5599771" cy="4351338"/>
+          </a:xfrm>
+        </p:spPr>
+        <p:txBody>
+          <a:bodyPr/>
+          <a:lstStyle/>
+          <a:p>
+            <a:endParaRPr lang="en-US" dirty="0"/>
+          </a:p>
+        </p:txBody>
+      </p:sp>
+      <p:pic>
+        <p:nvPicPr>
+          <p:cNvPr id="4" name="Picture"/>
+          <p:cNvPicPr/>
+          <p:nvPr/>
+        </p:nvPicPr>
+        <p:blipFill>
+          <a:blip r:embed="rId3"/>
+          <a:stretch>
+            <a:fillRect/>
+          </a:stretch>
+        </p:blipFill>
+        <p:spPr bwMode="auto">
+          <a:xfrm>
+            <a:off x="641543" y="2696272"/>
+            <a:ext cx="4619625" cy="3695700"/>
+          </a:xfrm>
+          <a:prstGeom prst="rect">
+            <a:avLst/>
+          </a:prstGeom>
+          <a:noFill/>
+          <a:ln w="9525">
+            <a:noFill/>
+            <a:headEnd/>
+            <a:tailEnd/>
+          </a:ln>
+        </p:spPr>
+      </p:pic>
+      <p:pic>
+        <p:nvPicPr>
+          <p:cNvPr id="5" name="Picture"/>
+          <p:cNvPicPr/>
+          <p:nvPr/>
+        </p:nvPicPr>
+        <p:blipFill>
+          <a:blip r:embed="rId4"/>
+          <a:stretch>
+            <a:fillRect/>
+          </a:stretch>
+        </p:blipFill>
+        <p:spPr bwMode="auto">
+          <a:xfrm>
+            <a:off x="5481173" y="2481263"/>
+            <a:ext cx="4619625" cy="3695700"/>
+          </a:xfrm>
+          <a:prstGeom prst="rect">
+            <a:avLst/>
+          </a:prstGeom>
+          <a:noFill/>
+          <a:ln w="9525">
+            <a:noFill/>
+            <a:headEnd/>
+            <a:tailEnd/>
+          </a:ln>
+        </p:spPr>
+      </p:pic>
+    </p:spTree>
+    <p:extLst>
+      <p:ext uri="{BB962C8B-B14F-4D97-AF65-F5344CB8AC3E}">
+        <p14:creationId xmlns:p14="http://schemas.microsoft.com/office/powerpoint/2010/main" val="3221939421"/>
+      </p:ext>
+    </p:extLst>
+  </p:cSld>
+  <p:clrMapOvr>
+    <a:masterClrMapping/>
+  </p:clrMapOvr>
+</p:sld>
+</file>
+
 <file path=ppt/slides/slide2.xml><?xml version="1.0" encoding="utf-8"?>
 <p:sld xmlns:a="http://schemas.openxmlformats.org/drawingml/2006/main" xmlns:r="http://schemas.openxmlformats.org/officeDocument/2006/relationships" xmlns:p="http://schemas.openxmlformats.org/presentationml/2006/main">
   <p:cSld>
@@ -4214,10 +4753,1905 @@
   <p:clrMapOvr>
     <a:masterClrMapping/>
   </p:clrMapOvr>
+  <p:timing>
+    <p:tnLst>
+      <p:par>
+        <p:cTn id="1" dur="indefinite" restart="never" nodeType="tmRoot"/>
+      </p:par>
+    </p:tnLst>
+  </p:timing>
 </p:sld>
 </file>
 
 <file path=ppt/slides/slide5.xml><?xml version="1.0" encoding="utf-8"?>
+<p:sld xmlns:a="http://schemas.openxmlformats.org/drawingml/2006/main" xmlns:r="http://schemas.openxmlformats.org/officeDocument/2006/relationships" xmlns:p="http://schemas.openxmlformats.org/presentationml/2006/main">
+  <p:cSld>
+    <p:spTree>
+      <p:nvGrpSpPr>
+        <p:cNvPr id="1" name=""/>
+        <p:cNvGrpSpPr/>
+        <p:nvPr/>
+      </p:nvGrpSpPr>
+      <p:grpSpPr>
+        <a:xfrm>
+          <a:off x="0" y="0"/>
+          <a:ext cx="0" cy="0"/>
+          <a:chOff x="0" y="0"/>
+          <a:chExt cx="0" cy="0"/>
+        </a:xfrm>
+      </p:grpSpPr>
+      <p:pic>
+        <p:nvPicPr>
+          <p:cNvPr id="4" name="Picture 3"/>
+          <p:cNvPicPr>
+            <a:picLocks noChangeAspect="1"/>
+          </p:cNvPicPr>
+          <p:nvPr/>
+        </p:nvPicPr>
+        <p:blipFill rotWithShape="1">
+          <a:blip r:embed="rId3"/>
+          <a:srcRect l="11481" t="16552" r="79199" b="40876"/>
+          <a:stretch/>
+        </p:blipFill>
+        <p:spPr>
+          <a:xfrm>
+            <a:off x="488960" y="432088"/>
+            <a:ext cx="3709406" cy="5568851"/>
+          </a:xfrm>
+          <a:prstGeom prst="rect">
+            <a:avLst/>
+          </a:prstGeom>
+        </p:spPr>
+      </p:pic>
+      <p:sp>
+        <p:nvSpPr>
+          <p:cNvPr id="3" name="Content Placeholder 2"/>
+          <p:cNvSpPr>
+            <a:spLocks noGrp="1"/>
+          </p:cNvSpPr>
+          <p:nvPr>
+            <p:ph idx="1"/>
+          </p:nvPr>
+        </p:nvSpPr>
+        <p:spPr>
+          <a:xfrm>
+            <a:off x="267652" y="6000939"/>
+            <a:ext cx="7734300" cy="649246"/>
+          </a:xfrm>
+        </p:spPr>
+        <p:txBody>
+          <a:bodyPr>
+            <a:normAutofit lnSpcReduction="10000"/>
+          </a:bodyPr>
+          <a:lstStyle/>
+          <a:p>
+            <a:pPr marL="0" indent="0">
+              <a:buNone/>
+            </a:pPr>
+            <a:r>
+              <a:rPr lang="en-US" sz="1400" dirty="0" err="1"/>
+              <a:t>Drouaud</a:t>
+            </a:r>
+            <a:r>
+              <a:rPr lang="en-US" sz="1400" dirty="0"/>
+              <a:t>, J., Mercier, R., </a:t>
+            </a:r>
+            <a:r>
+              <a:rPr lang="en-US" sz="1400" dirty="0" err="1"/>
+              <a:t>Chelysheva</a:t>
+            </a:r>
+            <a:r>
+              <a:rPr lang="en-US" sz="1400" dirty="0"/>
+              <a:t>, L., </a:t>
+            </a:r>
+            <a:r>
+              <a:rPr lang="en-US" sz="1400" dirty="0" err="1"/>
+              <a:t>Bérard</a:t>
+            </a:r>
+            <a:r>
+              <a:rPr lang="en-US" sz="1400" dirty="0"/>
+              <a:t>, A., </a:t>
+            </a:r>
+            <a:r>
+              <a:rPr lang="en-US" sz="1400" dirty="0" err="1"/>
+              <a:t>Falque</a:t>
+            </a:r>
+            <a:r>
+              <a:rPr lang="en-US" sz="1400" dirty="0"/>
+              <a:t>, M., Martin, O., ... &amp; </a:t>
+            </a:r>
+            <a:r>
+              <a:rPr lang="en-US" sz="1400" dirty="0" err="1"/>
+              <a:t>Mezard</a:t>
+            </a:r>
+            <a:r>
+              <a:rPr lang="en-US" sz="1400" dirty="0"/>
+              <a:t>, C. (2007). Sex-specific crossover distributions and variations in interference level along Arabidopsis thaliana chromosome 4. </a:t>
+            </a:r>
+            <a:r>
+              <a:rPr lang="en-US" sz="1400" i="1" dirty="0" err="1"/>
+              <a:t>PLoS</a:t>
+            </a:r>
+            <a:r>
+              <a:rPr lang="en-US" sz="1400" i="1" dirty="0"/>
+              <a:t> genetics</a:t>
+            </a:r>
+            <a:r>
+              <a:rPr lang="en-US" sz="1400" dirty="0"/>
+              <a:t>, </a:t>
+            </a:r>
+            <a:r>
+              <a:rPr lang="en-US" sz="1400" i="1" dirty="0"/>
+              <a:t>3</a:t>
+            </a:r>
+            <a:r>
+              <a:rPr lang="en-US" sz="1400" dirty="0"/>
+              <a:t>(6).</a:t>
+            </a:r>
+            <a:endParaRPr lang="en-US" sz="1400" dirty="0"/>
+          </a:p>
+        </p:txBody>
+      </p:sp>
+      <p:grpSp>
+        <p:nvGrpSpPr>
+          <p:cNvPr id="51" name="Group 50"/>
+          <p:cNvGrpSpPr/>
+          <p:nvPr/>
+        </p:nvGrpSpPr>
+        <p:grpSpPr>
+          <a:xfrm>
+            <a:off x="693150" y="1714775"/>
+            <a:ext cx="5144489" cy="460644"/>
+            <a:chOff x="693150" y="1714775"/>
+            <a:chExt cx="5144489" cy="460644"/>
+          </a:xfrm>
+        </p:grpSpPr>
+        <p:sp>
+          <p:nvSpPr>
+            <p:cNvPr id="13" name="Oval 12"/>
+            <p:cNvSpPr/>
+            <p:nvPr/>
+          </p:nvSpPr>
+          <p:spPr>
+            <a:xfrm rot="19006230">
+              <a:off x="693150" y="1714775"/>
+              <a:ext cx="3274914" cy="460644"/>
+            </a:xfrm>
+            <a:prstGeom prst="ellipse">
+              <a:avLst/>
+            </a:prstGeom>
+            <a:noFill/>
+            <a:ln w="9525">
+              <a:solidFill>
+                <a:srgbClr val="C00000"/>
+              </a:solidFill>
+            </a:ln>
+          </p:spPr>
+          <p:style>
+            <a:lnRef idx="2">
+              <a:schemeClr val="accent1">
+                <a:shade val="50000"/>
+              </a:schemeClr>
+            </a:lnRef>
+            <a:fillRef idx="1">
+              <a:schemeClr val="accent1"/>
+            </a:fillRef>
+            <a:effectRef idx="0">
+              <a:schemeClr val="accent1"/>
+            </a:effectRef>
+            <a:fontRef idx="minor">
+              <a:schemeClr val="lt1"/>
+            </a:fontRef>
+          </p:style>
+          <p:txBody>
+            <a:bodyPr rtlCol="0" anchor="ctr"/>
+            <a:lstStyle/>
+            <a:p>
+              <a:pPr algn="ctr"/>
+              <a:endParaRPr lang="en-US"/>
+            </a:p>
+          </p:txBody>
+        </p:sp>
+        <p:cxnSp>
+          <p:nvCxnSpPr>
+            <p:cNvPr id="15" name="Straight Arrow Connector 14"/>
+            <p:cNvCxnSpPr>
+              <a:endCxn id="23" idx="1"/>
+            </p:cNvCxnSpPr>
+            <p:nvPr/>
+          </p:nvCxnSpPr>
+          <p:spPr>
+            <a:xfrm>
+              <a:off x="2694075" y="1918386"/>
+              <a:ext cx="1003948" cy="0"/>
+            </a:xfrm>
+            <a:prstGeom prst="straightConnector1">
+              <a:avLst/>
+            </a:prstGeom>
+            <a:ln w="28575">
+              <a:solidFill>
+                <a:schemeClr val="tx2"/>
+              </a:solidFill>
+              <a:tailEnd type="triangle"/>
+            </a:ln>
+          </p:spPr>
+          <p:style>
+            <a:lnRef idx="1">
+              <a:schemeClr val="accent1"/>
+            </a:lnRef>
+            <a:fillRef idx="0">
+              <a:schemeClr val="accent1"/>
+            </a:fillRef>
+            <a:effectRef idx="0">
+              <a:schemeClr val="accent1"/>
+            </a:effectRef>
+            <a:fontRef idx="minor">
+              <a:schemeClr val="tx1"/>
+            </a:fontRef>
+          </p:style>
+        </p:cxnSp>
+        <p:sp>
+          <p:nvSpPr>
+            <p:cNvPr id="23" name="TextBox 22"/>
+            <p:cNvSpPr txBox="1"/>
+            <p:nvPr/>
+          </p:nvSpPr>
+          <p:spPr>
+            <a:xfrm>
+              <a:off x="3698023" y="1733720"/>
+              <a:ext cx="2139616" cy="369332"/>
+            </a:xfrm>
+            <a:prstGeom prst="rect">
+              <a:avLst/>
+            </a:prstGeom>
+            <a:noFill/>
+          </p:spPr>
+          <p:txBody>
+            <a:bodyPr wrap="square" rtlCol="0">
+              <a:spAutoFit/>
+            </a:bodyPr>
+            <a:lstStyle/>
+            <a:p>
+              <a:r>
+                <a:rPr lang="en-US" dirty="0" smtClean="0"/>
+                <a:t>Lack of small IFDs</a:t>
+              </a:r>
+            </a:p>
+          </p:txBody>
+        </p:sp>
+      </p:grpSp>
+      <p:sp>
+        <p:nvSpPr>
+          <p:cNvPr id="28" name="TextBox 27"/>
+          <p:cNvSpPr txBox="1"/>
+          <p:nvPr/>
+        </p:nvSpPr>
+        <p:spPr>
+          <a:xfrm>
+            <a:off x="1355278" y="285668"/>
+            <a:ext cx="2139616" cy="369332"/>
+          </a:xfrm>
+          <a:prstGeom prst="rect">
+            <a:avLst/>
+          </a:prstGeom>
+          <a:solidFill>
+            <a:schemeClr val="bg1"/>
+          </a:solidFill>
+          <a:ln>
+            <a:solidFill>
+              <a:schemeClr val="tx1"/>
+            </a:solidFill>
+          </a:ln>
+        </p:spPr>
+        <p:txBody>
+          <a:bodyPr wrap="square" rtlCol="0">
+            <a:spAutoFit/>
+          </a:bodyPr>
+          <a:lstStyle/>
+          <a:p>
+            <a:pPr algn="ctr"/>
+            <a:r>
+              <a:rPr lang="en-US" dirty="0" smtClean="0"/>
+              <a:t>First CO position</a:t>
+            </a:r>
+          </a:p>
+        </p:txBody>
+      </p:sp>
+      <p:sp>
+        <p:nvSpPr>
+          <p:cNvPr id="29" name="TextBox 28"/>
+          <p:cNvSpPr txBox="1"/>
+          <p:nvPr/>
+        </p:nvSpPr>
+        <p:spPr>
+          <a:xfrm rot="16200000">
+            <a:off x="-504208" y="1964157"/>
+            <a:ext cx="2139616" cy="369332"/>
+          </a:xfrm>
+          <a:prstGeom prst="rect">
+            <a:avLst/>
+          </a:prstGeom>
+          <a:solidFill>
+            <a:schemeClr val="bg1"/>
+          </a:solidFill>
+          <a:ln>
+            <a:solidFill>
+              <a:schemeClr val="tx1"/>
+            </a:solidFill>
+          </a:ln>
+        </p:spPr>
+        <p:txBody>
+          <a:bodyPr wrap="square" rtlCol="0">
+            <a:spAutoFit/>
+          </a:bodyPr>
+          <a:lstStyle/>
+          <a:p>
+            <a:r>
+              <a:rPr lang="en-US" dirty="0" smtClean="0"/>
+              <a:t>Second CO position</a:t>
+            </a:r>
+          </a:p>
+        </p:txBody>
+      </p:sp>
+      <p:sp>
+        <p:nvSpPr>
+          <p:cNvPr id="30" name="TextBox 29"/>
+          <p:cNvSpPr txBox="1"/>
+          <p:nvPr/>
+        </p:nvSpPr>
+        <p:spPr>
+          <a:xfrm>
+            <a:off x="1217542" y="3629744"/>
+            <a:ext cx="2139616" cy="369332"/>
+          </a:xfrm>
+          <a:prstGeom prst="rect">
+            <a:avLst/>
+          </a:prstGeom>
+          <a:solidFill>
+            <a:schemeClr val="bg1"/>
+          </a:solidFill>
+          <a:ln>
+            <a:solidFill>
+              <a:schemeClr val="tx1"/>
+            </a:solidFill>
+          </a:ln>
+        </p:spPr>
+        <p:txBody>
+          <a:bodyPr wrap="square" rtlCol="0">
+            <a:spAutoFit/>
+          </a:bodyPr>
+          <a:lstStyle/>
+          <a:p>
+            <a:pPr algn="ctr"/>
+            <a:r>
+              <a:rPr lang="en-US" dirty="0" smtClean="0"/>
+              <a:t>First CO position</a:t>
+            </a:r>
+          </a:p>
+        </p:txBody>
+      </p:sp>
+      <p:sp>
+        <p:nvSpPr>
+          <p:cNvPr id="31" name="TextBox 30"/>
+          <p:cNvSpPr txBox="1"/>
+          <p:nvPr/>
+        </p:nvSpPr>
+        <p:spPr>
+          <a:xfrm>
+            <a:off x="87832" y="411943"/>
+            <a:ext cx="802255" cy="338554"/>
+          </a:xfrm>
+          <a:prstGeom prst="rect">
+            <a:avLst/>
+          </a:prstGeom>
+          <a:solidFill>
+            <a:schemeClr val="bg1"/>
+          </a:solidFill>
+          <a:ln>
+            <a:solidFill>
+              <a:schemeClr val="tx1"/>
+            </a:solidFill>
+          </a:ln>
+        </p:spPr>
+        <p:txBody>
+          <a:bodyPr wrap="square" rtlCol="0">
+            <a:spAutoFit/>
+          </a:bodyPr>
+          <a:lstStyle/>
+          <a:p>
+            <a:pPr algn="ctr"/>
+            <a:r>
+              <a:rPr lang="en-US" sz="1600" dirty="0" smtClean="0"/>
+              <a:t>Male</a:t>
+            </a:r>
+          </a:p>
+        </p:txBody>
+      </p:sp>
+      <p:sp>
+        <p:nvSpPr>
+          <p:cNvPr id="32" name="TextBox 31"/>
+          <p:cNvSpPr txBox="1"/>
+          <p:nvPr/>
+        </p:nvSpPr>
+        <p:spPr>
+          <a:xfrm>
+            <a:off x="52186" y="3747546"/>
+            <a:ext cx="927590" cy="338554"/>
+          </a:xfrm>
+          <a:prstGeom prst="rect">
+            <a:avLst/>
+          </a:prstGeom>
+          <a:solidFill>
+            <a:schemeClr val="bg1"/>
+          </a:solidFill>
+          <a:ln>
+            <a:solidFill>
+              <a:schemeClr val="tx1"/>
+            </a:solidFill>
+          </a:ln>
+        </p:spPr>
+        <p:txBody>
+          <a:bodyPr wrap="square" rtlCol="0">
+            <a:spAutoFit/>
+          </a:bodyPr>
+          <a:lstStyle/>
+          <a:p>
+            <a:pPr algn="ctr"/>
+            <a:r>
+              <a:rPr lang="en-US" sz="1600" dirty="0" smtClean="0"/>
+              <a:t>Female</a:t>
+            </a:r>
+          </a:p>
+        </p:txBody>
+      </p:sp>
+      <p:grpSp>
+        <p:nvGrpSpPr>
+          <p:cNvPr id="50" name="Group 49"/>
+          <p:cNvGrpSpPr/>
+          <p:nvPr/>
+        </p:nvGrpSpPr>
+        <p:grpSpPr>
+          <a:xfrm>
+            <a:off x="928926" y="876694"/>
+            <a:ext cx="5810937" cy="976318"/>
+            <a:chOff x="928926" y="876694"/>
+            <a:chExt cx="5810937" cy="976318"/>
+          </a:xfrm>
+        </p:grpSpPr>
+        <p:sp>
+          <p:nvSpPr>
+            <p:cNvPr id="36" name="Oval 35"/>
+            <p:cNvSpPr/>
+            <p:nvPr/>
+          </p:nvSpPr>
+          <p:spPr>
+            <a:xfrm rot="19582387">
+              <a:off x="928926" y="876694"/>
+              <a:ext cx="1095673" cy="976318"/>
+            </a:xfrm>
+            <a:prstGeom prst="ellipse">
+              <a:avLst/>
+            </a:prstGeom>
+            <a:noFill/>
+            <a:ln w="9525">
+              <a:solidFill>
+                <a:srgbClr val="C00000"/>
+              </a:solidFill>
+            </a:ln>
+          </p:spPr>
+          <p:style>
+            <a:lnRef idx="2">
+              <a:schemeClr val="accent1">
+                <a:shade val="50000"/>
+              </a:schemeClr>
+            </a:lnRef>
+            <a:fillRef idx="1">
+              <a:schemeClr val="accent1"/>
+            </a:fillRef>
+            <a:effectRef idx="0">
+              <a:schemeClr val="accent1"/>
+            </a:effectRef>
+            <a:fontRef idx="minor">
+              <a:schemeClr val="lt1"/>
+            </a:fontRef>
+          </p:style>
+          <p:txBody>
+            <a:bodyPr rtlCol="0" anchor="ctr"/>
+            <a:lstStyle/>
+            <a:p>
+              <a:pPr algn="ctr"/>
+              <a:endParaRPr lang="en-US"/>
+            </a:p>
+          </p:txBody>
+        </p:sp>
+        <p:cxnSp>
+          <p:nvCxnSpPr>
+            <p:cNvPr id="38" name="Straight Arrow Connector 37"/>
+            <p:cNvCxnSpPr/>
+            <p:nvPr/>
+          </p:nvCxnSpPr>
+          <p:spPr>
+            <a:xfrm flipV="1">
+              <a:off x="2005434" y="1141447"/>
+              <a:ext cx="1905514" cy="43234"/>
+            </a:xfrm>
+            <a:prstGeom prst="straightConnector1">
+              <a:avLst/>
+            </a:prstGeom>
+            <a:ln w="28575">
+              <a:solidFill>
+                <a:schemeClr val="tx2"/>
+              </a:solidFill>
+              <a:tailEnd type="triangle"/>
+            </a:ln>
+          </p:spPr>
+          <p:style>
+            <a:lnRef idx="1">
+              <a:schemeClr val="accent1"/>
+            </a:lnRef>
+            <a:fillRef idx="0">
+              <a:schemeClr val="accent1"/>
+            </a:fillRef>
+            <a:effectRef idx="0">
+              <a:schemeClr val="accent1"/>
+            </a:effectRef>
+            <a:fontRef idx="minor">
+              <a:schemeClr val="tx1"/>
+            </a:fontRef>
+          </p:style>
+        </p:cxnSp>
+        <p:sp>
+          <p:nvSpPr>
+            <p:cNvPr id="43" name="TextBox 42"/>
+            <p:cNvSpPr txBox="1"/>
+            <p:nvPr/>
+          </p:nvSpPr>
+          <p:spPr>
+            <a:xfrm>
+              <a:off x="3916548" y="981777"/>
+              <a:ext cx="2823315" cy="369332"/>
+            </a:xfrm>
+            <a:prstGeom prst="rect">
+              <a:avLst/>
+            </a:prstGeom>
+            <a:noFill/>
+          </p:spPr>
+          <p:txBody>
+            <a:bodyPr wrap="square" rtlCol="0">
+              <a:spAutoFit/>
+            </a:bodyPr>
+            <a:lstStyle/>
+            <a:p>
+              <a:r>
+                <a:rPr lang="en-US" dirty="0" smtClean="0"/>
+                <a:t>Enrichment of longest IFDs</a:t>
+              </a:r>
+            </a:p>
+          </p:txBody>
+        </p:sp>
+      </p:grpSp>
+      <p:grpSp>
+        <p:nvGrpSpPr>
+          <p:cNvPr id="52" name="Group 51"/>
+          <p:cNvGrpSpPr/>
+          <p:nvPr/>
+        </p:nvGrpSpPr>
+        <p:grpSpPr>
+          <a:xfrm>
+            <a:off x="759625" y="3985370"/>
+            <a:ext cx="5251526" cy="462539"/>
+            <a:chOff x="759625" y="3985370"/>
+            <a:chExt cx="5251526" cy="462539"/>
+          </a:xfrm>
+        </p:grpSpPr>
+        <p:sp>
+          <p:nvSpPr>
+            <p:cNvPr id="37" name="Oval 36"/>
+            <p:cNvSpPr/>
+            <p:nvPr/>
+          </p:nvSpPr>
+          <p:spPr>
+            <a:xfrm rot="15998402">
+              <a:off x="1430364" y="3407615"/>
+              <a:ext cx="369555" cy="1711033"/>
+            </a:xfrm>
+            <a:prstGeom prst="ellipse">
+              <a:avLst/>
+            </a:prstGeom>
+            <a:noFill/>
+            <a:ln w="3175">
+              <a:solidFill>
+                <a:srgbClr val="C00000"/>
+              </a:solidFill>
+            </a:ln>
+          </p:spPr>
+          <p:style>
+            <a:lnRef idx="2">
+              <a:schemeClr val="accent1">
+                <a:shade val="50000"/>
+              </a:schemeClr>
+            </a:lnRef>
+            <a:fillRef idx="1">
+              <a:schemeClr val="accent1"/>
+            </a:fillRef>
+            <a:effectRef idx="0">
+              <a:schemeClr val="accent1"/>
+            </a:effectRef>
+            <a:fontRef idx="minor">
+              <a:schemeClr val="lt1"/>
+            </a:fontRef>
+          </p:style>
+          <p:txBody>
+            <a:bodyPr rtlCol="0" anchor="ctr"/>
+            <a:lstStyle/>
+            <a:p>
+              <a:pPr algn="ctr"/>
+              <a:endParaRPr lang="en-US"/>
+            </a:p>
+          </p:txBody>
+        </p:sp>
+        <p:cxnSp>
+          <p:nvCxnSpPr>
+            <p:cNvPr id="45" name="Straight Arrow Connector 44"/>
+            <p:cNvCxnSpPr>
+              <a:stCxn id="37" idx="4"/>
+            </p:cNvCxnSpPr>
+            <p:nvPr/>
+          </p:nvCxnSpPr>
+          <p:spPr>
+            <a:xfrm flipV="1">
+              <a:off x="2469187" y="4195482"/>
+              <a:ext cx="690872" cy="17508"/>
+            </a:xfrm>
+            <a:prstGeom prst="straightConnector1">
+              <a:avLst/>
+            </a:prstGeom>
+            <a:ln w="28575">
+              <a:solidFill>
+                <a:schemeClr val="tx2"/>
+              </a:solidFill>
+              <a:tailEnd type="triangle"/>
+            </a:ln>
+          </p:spPr>
+          <p:style>
+            <a:lnRef idx="1">
+              <a:schemeClr val="accent1"/>
+            </a:lnRef>
+            <a:fillRef idx="0">
+              <a:schemeClr val="accent1"/>
+            </a:fillRef>
+            <a:effectRef idx="0">
+              <a:schemeClr val="accent1"/>
+            </a:effectRef>
+            <a:fontRef idx="minor">
+              <a:schemeClr val="tx1"/>
+            </a:fontRef>
+          </p:style>
+        </p:cxnSp>
+        <p:sp>
+          <p:nvSpPr>
+            <p:cNvPr id="48" name="TextBox 47"/>
+            <p:cNvSpPr txBox="1"/>
+            <p:nvPr/>
+          </p:nvSpPr>
+          <p:spPr>
+            <a:xfrm>
+              <a:off x="3187836" y="3985370"/>
+              <a:ext cx="2823315" cy="369332"/>
+            </a:xfrm>
+            <a:prstGeom prst="rect">
+              <a:avLst/>
+            </a:prstGeom>
+            <a:noFill/>
+          </p:spPr>
+          <p:txBody>
+            <a:bodyPr wrap="square" rtlCol="0">
+              <a:spAutoFit/>
+            </a:bodyPr>
+            <a:lstStyle/>
+            <a:p>
+              <a:r>
+                <a:rPr lang="en-US" dirty="0" smtClean="0"/>
+                <a:t>Enrichment of longest IFDs</a:t>
+              </a:r>
+            </a:p>
+          </p:txBody>
+        </p:sp>
+      </p:grpSp>
+      <p:sp>
+        <p:nvSpPr>
+          <p:cNvPr id="49" name="TextBox 48"/>
+          <p:cNvSpPr txBox="1"/>
+          <p:nvPr/>
+        </p:nvSpPr>
+        <p:spPr>
+          <a:xfrm>
+            <a:off x="7809374" y="817354"/>
+            <a:ext cx="3869493" cy="2954655"/>
+          </a:xfrm>
+          <a:prstGeom prst="rect">
+            <a:avLst/>
+          </a:prstGeom>
+          <a:noFill/>
+        </p:spPr>
+        <p:txBody>
+          <a:bodyPr wrap="square" rtlCol="0">
+            <a:spAutoFit/>
+          </a:bodyPr>
+          <a:lstStyle/>
+          <a:p>
+            <a:pPr marL="285750" indent="-285750">
+              <a:buFont typeface="Arial" panose="020B0604020202020204" pitchFamily="34" charset="0"/>
+              <a:buChar char="•"/>
+            </a:pPr>
+            <a:r>
+              <a:rPr lang="en-US" sz="2400" dirty="0" smtClean="0"/>
+              <a:t>Double crossover Chrm4, </a:t>
+            </a:r>
+            <a:r>
+              <a:rPr lang="en-US" sz="2400" i="1" dirty="0" smtClean="0"/>
+              <a:t>Arabidopsis thaliana</a:t>
+            </a:r>
+            <a:r>
+              <a:rPr lang="en-US" sz="2400" dirty="0" smtClean="0"/>
+              <a:t>.</a:t>
+            </a:r>
+          </a:p>
+          <a:p>
+            <a:pPr marL="285750" indent="-285750">
+              <a:buFont typeface="Arial" panose="020B0604020202020204" pitchFamily="34" charset="0"/>
+              <a:buChar char="•"/>
+            </a:pPr>
+            <a:r>
+              <a:rPr lang="en-US" sz="2400" dirty="0" smtClean="0"/>
+              <a:t>Diagonal line, 1:1 values, the shortest </a:t>
+            </a:r>
+            <a:r>
+              <a:rPr lang="en-US" sz="2400" dirty="0" err="1" smtClean="0"/>
+              <a:t>interfocal</a:t>
+            </a:r>
+            <a:r>
+              <a:rPr lang="en-US" sz="2400" dirty="0" smtClean="0"/>
+              <a:t> distance (IFD).</a:t>
+            </a:r>
+          </a:p>
+          <a:p>
+            <a:pPr marL="285750" indent="-285750">
+              <a:buFont typeface="Arial" panose="020B0604020202020204" pitchFamily="34" charset="0"/>
+              <a:buChar char="•"/>
+            </a:pPr>
+            <a:r>
+              <a:rPr lang="en-US" sz="2400" dirty="0" smtClean="0"/>
+              <a:t>Near top corner, longest IFD</a:t>
+            </a:r>
+            <a:endParaRPr lang="en-US" sz="2400" dirty="0"/>
+          </a:p>
+          <a:p>
+            <a:pPr marL="285750" indent="-285750">
+              <a:buFont typeface="Arial" panose="020B0604020202020204" pitchFamily="34" charset="0"/>
+              <a:buChar char="•"/>
+            </a:pPr>
+            <a:endParaRPr lang="en-US" dirty="0"/>
+          </a:p>
+        </p:txBody>
+      </p:sp>
+      <p:pic>
+        <p:nvPicPr>
+          <p:cNvPr id="53" name="Picture 52"/>
+          <p:cNvPicPr>
+            <a:picLocks noChangeAspect="1"/>
+          </p:cNvPicPr>
+          <p:nvPr/>
+        </p:nvPicPr>
+        <p:blipFill rotWithShape="1">
+          <a:blip r:embed="rId4">
+            <a:extLst>
+              <a:ext uri="{28A0092B-C50C-407E-A947-70E740481C1C}">
+                <a14:useLocalDpi xmlns:a14="http://schemas.microsoft.com/office/drawing/2010/main" val="0"/>
+              </a:ext>
+            </a:extLst>
+          </a:blip>
+          <a:srcRect l="36971" t="47307" r="57149" b="20579"/>
+          <a:stretch/>
+        </p:blipFill>
+        <p:spPr>
+          <a:xfrm>
+            <a:off x="6907150" y="1351109"/>
+            <a:ext cx="457199" cy="2286149"/>
+          </a:xfrm>
+          <a:prstGeom prst="rect">
+            <a:avLst/>
+          </a:prstGeom>
+        </p:spPr>
+      </p:pic>
+      <p:pic>
+        <p:nvPicPr>
+          <p:cNvPr id="54" name="Picture 53"/>
+          <p:cNvPicPr>
+            <a:picLocks noChangeAspect="1"/>
+          </p:cNvPicPr>
+          <p:nvPr/>
+        </p:nvPicPr>
+        <p:blipFill rotWithShape="1">
+          <a:blip r:embed="rId5">
+            <a:extLst>
+              <a:ext uri="{28A0092B-C50C-407E-A947-70E740481C1C}">
+                <a14:useLocalDpi xmlns:a14="http://schemas.microsoft.com/office/drawing/2010/main" val="0"/>
+              </a:ext>
+            </a:extLst>
+          </a:blip>
+          <a:srcRect l="30984" t="43481" r="43106" b="49608"/>
+          <a:stretch/>
+        </p:blipFill>
+        <p:spPr>
+          <a:xfrm rot="5400000">
+            <a:off x="5558567" y="2775213"/>
+            <a:ext cx="1378773" cy="379141"/>
+          </a:xfrm>
+          <a:prstGeom prst="rect">
+            <a:avLst/>
+          </a:prstGeom>
+        </p:spPr>
+      </p:pic>
+    </p:spTree>
+    <p:extLst>
+      <p:ext uri="{BB962C8B-B14F-4D97-AF65-F5344CB8AC3E}">
+        <p14:creationId xmlns:p14="http://schemas.microsoft.com/office/powerpoint/2010/main" val="4035057914"/>
+      </p:ext>
+    </p:extLst>
+  </p:cSld>
+  <p:clrMapOvr>
+    <a:masterClrMapping/>
+  </p:clrMapOvr>
+  <p:timing>
+    <p:tnLst>
+      <p:par>
+        <p:cTn id="1" dur="indefinite" restart="never" nodeType="tmRoot">
+          <p:childTnLst>
+            <p:seq concurrent="1" nextAc="seek">
+              <p:cTn id="2" dur="indefinite" nodeType="mainSeq">
+                <p:childTnLst>
+                  <p:par>
+                    <p:cTn id="3" fill="hold">
+                      <p:stCondLst>
+                        <p:cond delay="indefinite"/>
+                      </p:stCondLst>
+                      <p:childTnLst>
+                        <p:par>
+                          <p:cTn id="4" fill="hold">
+                            <p:stCondLst>
+                              <p:cond delay="0"/>
+                            </p:stCondLst>
+                            <p:childTnLst>
+                              <p:par>
+                                <p:cTn id="5" presetID="1" presetClass="entr" presetSubtype="0" fill="hold" nodeType="clickEffect">
+                                  <p:stCondLst>
+                                    <p:cond delay="0"/>
+                                  </p:stCondLst>
+                                  <p:childTnLst>
+                                    <p:set>
+                                      <p:cBhvr>
+                                        <p:cTn id="6" dur="1" fill="hold">
+                                          <p:stCondLst>
+                                            <p:cond delay="0"/>
+                                          </p:stCondLst>
+                                        </p:cTn>
+                                        <p:tgtEl>
+                                          <p:spTgt spid="50"/>
+                                        </p:tgtEl>
+                                        <p:attrNameLst>
+                                          <p:attrName>style.visibility</p:attrName>
+                                        </p:attrNameLst>
+                                      </p:cBhvr>
+                                      <p:to>
+                                        <p:strVal val="visible"/>
+                                      </p:to>
+                                    </p:set>
+                                  </p:childTnLst>
+                                </p:cTn>
+                              </p:par>
+                            </p:childTnLst>
+                          </p:cTn>
+                        </p:par>
+                      </p:childTnLst>
+                    </p:cTn>
+                  </p:par>
+                  <p:par>
+                    <p:cTn id="7" fill="hold">
+                      <p:stCondLst>
+                        <p:cond delay="indefinite"/>
+                      </p:stCondLst>
+                      <p:childTnLst>
+                        <p:par>
+                          <p:cTn id="8" fill="hold">
+                            <p:stCondLst>
+                              <p:cond delay="0"/>
+                            </p:stCondLst>
+                            <p:childTnLst>
+                              <p:par>
+                                <p:cTn id="9" presetID="1" presetClass="entr" presetSubtype="0" fill="hold" nodeType="clickEffect">
+                                  <p:stCondLst>
+                                    <p:cond delay="0"/>
+                                  </p:stCondLst>
+                                  <p:childTnLst>
+                                    <p:set>
+                                      <p:cBhvr>
+                                        <p:cTn id="10" dur="1" fill="hold">
+                                          <p:stCondLst>
+                                            <p:cond delay="0"/>
+                                          </p:stCondLst>
+                                        </p:cTn>
+                                        <p:tgtEl>
+                                          <p:spTgt spid="51"/>
+                                        </p:tgtEl>
+                                        <p:attrNameLst>
+                                          <p:attrName>style.visibility</p:attrName>
+                                        </p:attrNameLst>
+                                      </p:cBhvr>
+                                      <p:to>
+                                        <p:strVal val="visible"/>
+                                      </p:to>
+                                    </p:set>
+                                  </p:childTnLst>
+                                </p:cTn>
+                              </p:par>
+                            </p:childTnLst>
+                          </p:cTn>
+                        </p:par>
+                      </p:childTnLst>
+                    </p:cTn>
+                  </p:par>
+                  <p:par>
+                    <p:cTn id="11" fill="hold">
+                      <p:stCondLst>
+                        <p:cond delay="indefinite"/>
+                      </p:stCondLst>
+                      <p:childTnLst>
+                        <p:par>
+                          <p:cTn id="12" fill="hold">
+                            <p:stCondLst>
+                              <p:cond delay="0"/>
+                            </p:stCondLst>
+                            <p:childTnLst>
+                              <p:par>
+                                <p:cTn id="13" presetID="1" presetClass="entr" presetSubtype="0" fill="hold" nodeType="clickEffect">
+                                  <p:stCondLst>
+                                    <p:cond delay="0"/>
+                                  </p:stCondLst>
+                                  <p:childTnLst>
+                                    <p:set>
+                                      <p:cBhvr>
+                                        <p:cTn id="14" dur="1" fill="hold">
+                                          <p:stCondLst>
+                                            <p:cond delay="0"/>
+                                          </p:stCondLst>
+                                        </p:cTn>
+                                        <p:tgtEl>
+                                          <p:spTgt spid="52"/>
+                                        </p:tgtEl>
+                                        <p:attrNameLst>
+                                          <p:attrName>style.visibility</p:attrName>
+                                        </p:attrNameLst>
+                                      </p:cBhvr>
+                                      <p:to>
+                                        <p:strVal val="visible"/>
+                                      </p:to>
+                                    </p:set>
+                                  </p:childTnLst>
+                                </p:cTn>
+                              </p:par>
+                              <p:par>
+                                <p:cTn id="15" presetID="1" presetClass="entr" presetSubtype="0" fill="hold" nodeType="withEffect">
+                                  <p:stCondLst>
+                                    <p:cond delay="0"/>
+                                  </p:stCondLst>
+                                  <p:childTnLst>
+                                    <p:set>
+                                      <p:cBhvr>
+                                        <p:cTn id="16" dur="1" fill="hold">
+                                          <p:stCondLst>
+                                            <p:cond delay="0"/>
+                                          </p:stCondLst>
+                                        </p:cTn>
+                                        <p:tgtEl>
+                                          <p:spTgt spid="53"/>
+                                        </p:tgtEl>
+                                        <p:attrNameLst>
+                                          <p:attrName>style.visibility</p:attrName>
+                                        </p:attrNameLst>
+                                      </p:cBhvr>
+                                      <p:to>
+                                        <p:strVal val="visible"/>
+                                      </p:to>
+                                    </p:set>
+                                  </p:childTnLst>
+                                </p:cTn>
+                              </p:par>
+                            </p:childTnLst>
+                          </p:cTn>
+                        </p:par>
+                      </p:childTnLst>
+                    </p:cTn>
+                  </p:par>
+                </p:childTnLst>
+              </p:cTn>
+              <p:prevCondLst>
+                <p:cond evt="onPrev" delay="0">
+                  <p:tgtEl>
+                    <p:sldTgt/>
+                  </p:tgtEl>
+                </p:cond>
+              </p:prevCondLst>
+              <p:nextCondLst>
+                <p:cond evt="onNext" delay="0">
+                  <p:tgtEl>
+                    <p:sldTgt/>
+                  </p:tgtEl>
+                </p:cond>
+              </p:nextCondLst>
+            </p:seq>
+          </p:childTnLst>
+        </p:cTn>
+      </p:par>
+    </p:tnLst>
+  </p:timing>
+</p:sld>
+</file>
+
+<file path=ppt/slides/slide6.xml><?xml version="1.0" encoding="utf-8"?>
+<p:sld xmlns:a="http://schemas.openxmlformats.org/drawingml/2006/main" xmlns:r="http://schemas.openxmlformats.org/officeDocument/2006/relationships" xmlns:p="http://schemas.openxmlformats.org/presentationml/2006/main">
+  <p:cSld>
+    <p:spTree>
+      <p:nvGrpSpPr>
+        <p:cNvPr id="1" name=""/>
+        <p:cNvGrpSpPr/>
+        <p:nvPr/>
+      </p:nvGrpSpPr>
+      <p:grpSpPr>
+        <a:xfrm>
+          <a:off x="0" y="0"/>
+          <a:ext cx="0" cy="0"/>
+          <a:chOff x="0" y="0"/>
+          <a:chExt cx="0" cy="0"/>
+        </a:xfrm>
+      </p:grpSpPr>
+      <p:grpSp>
+        <p:nvGrpSpPr>
+          <p:cNvPr id="11" name="Group 10"/>
+          <p:cNvGrpSpPr/>
+          <p:nvPr/>
+        </p:nvGrpSpPr>
+        <p:grpSpPr>
+          <a:xfrm>
+            <a:off x="9258722" y="3143279"/>
+            <a:ext cx="2467064" cy="2158263"/>
+            <a:chOff x="537599" y="2949323"/>
+            <a:chExt cx="4115083" cy="3610479"/>
+          </a:xfrm>
+        </p:grpSpPr>
+        <p:pic>
+          <p:nvPicPr>
+            <p:cNvPr id="8" name="Picture 7"/>
+            <p:cNvPicPr>
+              <a:picLocks noChangeAspect="1"/>
+            </p:cNvPicPr>
+            <p:nvPr/>
+          </p:nvPicPr>
+          <p:blipFill rotWithShape="1">
+            <a:blip r:embed="rId3">
+              <a:extLst>
+                <a:ext uri="{28A0092B-C50C-407E-A947-70E740481C1C}">
+                  <a14:useLocalDpi xmlns:a14="http://schemas.microsoft.com/office/drawing/2010/main" val="0"/>
+                </a:ext>
+              </a:extLst>
+            </a:blip>
+            <a:srcRect r="14966"/>
+            <a:stretch/>
+          </p:blipFill>
+          <p:spPr>
+            <a:xfrm>
+              <a:off x="537599" y="2949323"/>
+              <a:ext cx="4115083" cy="3610479"/>
+            </a:xfrm>
+            <a:prstGeom prst="rect">
+              <a:avLst/>
+            </a:prstGeom>
+            <a:ln>
+              <a:solidFill>
+                <a:schemeClr val="tx1"/>
+              </a:solidFill>
+            </a:ln>
+          </p:spPr>
+        </p:pic>
+        <p:cxnSp>
+          <p:nvCxnSpPr>
+            <p:cNvPr id="9" name="Straight Connector 8"/>
+            <p:cNvCxnSpPr/>
+            <p:nvPr/>
+          </p:nvCxnSpPr>
+          <p:spPr>
+            <a:xfrm flipV="1">
+              <a:off x="977305" y="3536576"/>
+              <a:ext cx="3379542" cy="2646592"/>
+            </a:xfrm>
+            <a:prstGeom prst="line">
+              <a:avLst/>
+            </a:prstGeom>
+            <a:ln>
+              <a:solidFill>
+                <a:schemeClr val="tx1"/>
+              </a:solidFill>
+            </a:ln>
+          </p:spPr>
+          <p:style>
+            <a:lnRef idx="1">
+              <a:schemeClr val="accent1"/>
+            </a:lnRef>
+            <a:fillRef idx="0">
+              <a:schemeClr val="accent1"/>
+            </a:fillRef>
+            <a:effectRef idx="0">
+              <a:schemeClr val="accent1"/>
+            </a:effectRef>
+            <a:fontRef idx="minor">
+              <a:schemeClr val="tx1"/>
+            </a:fontRef>
+          </p:style>
+        </p:cxnSp>
+      </p:grpSp>
+      <p:grpSp>
+        <p:nvGrpSpPr>
+          <p:cNvPr id="26" name="Group 25"/>
+          <p:cNvGrpSpPr/>
+          <p:nvPr/>
+        </p:nvGrpSpPr>
+        <p:grpSpPr>
+          <a:xfrm>
+            <a:off x="333051" y="3393858"/>
+            <a:ext cx="3187346" cy="2724554"/>
+            <a:chOff x="3440160" y="1757773"/>
+            <a:chExt cx="2841682" cy="2512589"/>
+          </a:xfrm>
+        </p:grpSpPr>
+        <p:pic>
+          <p:nvPicPr>
+            <p:cNvPr id="6" name="Picture 5"/>
+            <p:cNvPicPr>
+              <a:picLocks noChangeAspect="1"/>
+            </p:cNvPicPr>
+            <p:nvPr/>
+          </p:nvPicPr>
+          <p:blipFill rotWithShape="1">
+            <a:blip r:embed="rId4">
+              <a:extLst>
+                <a:ext uri="{28A0092B-C50C-407E-A947-70E740481C1C}">
+                  <a14:useLocalDpi xmlns:a14="http://schemas.microsoft.com/office/drawing/2010/main" val="0"/>
+                </a:ext>
+              </a:extLst>
+            </a:blip>
+            <a:srcRect r="15622"/>
+            <a:stretch/>
+          </p:blipFill>
+          <p:spPr>
+            <a:xfrm>
+              <a:off x="3440160" y="1757773"/>
+              <a:ext cx="2841682" cy="2512589"/>
+            </a:xfrm>
+            <a:prstGeom prst="rect">
+              <a:avLst/>
+            </a:prstGeom>
+            <a:ln>
+              <a:solidFill>
+                <a:schemeClr val="tx1"/>
+              </a:solidFill>
+            </a:ln>
+          </p:spPr>
+        </p:pic>
+        <p:cxnSp>
+          <p:nvCxnSpPr>
+            <p:cNvPr id="19" name="Straight Connector 18"/>
+            <p:cNvCxnSpPr/>
+            <p:nvPr/>
+          </p:nvCxnSpPr>
+          <p:spPr>
+            <a:xfrm flipV="1">
+              <a:off x="3755893" y="2078852"/>
+              <a:ext cx="2407715" cy="1910547"/>
+            </a:xfrm>
+            <a:prstGeom prst="line">
+              <a:avLst/>
+            </a:prstGeom>
+            <a:ln>
+              <a:solidFill>
+                <a:schemeClr val="tx1"/>
+              </a:solidFill>
+            </a:ln>
+          </p:spPr>
+          <p:style>
+            <a:lnRef idx="1">
+              <a:schemeClr val="accent1"/>
+            </a:lnRef>
+            <a:fillRef idx="0">
+              <a:schemeClr val="accent1"/>
+            </a:fillRef>
+            <a:effectRef idx="0">
+              <a:schemeClr val="accent1"/>
+            </a:effectRef>
+            <a:fontRef idx="minor">
+              <a:schemeClr val="tx1"/>
+            </a:fontRef>
+          </p:style>
+        </p:cxnSp>
+      </p:grpSp>
+      <p:grpSp>
+        <p:nvGrpSpPr>
+          <p:cNvPr id="21" name="Group 20"/>
+          <p:cNvGrpSpPr/>
+          <p:nvPr/>
+        </p:nvGrpSpPr>
+        <p:grpSpPr>
+          <a:xfrm>
+            <a:off x="6607188" y="893134"/>
+            <a:ext cx="2367474" cy="2136285"/>
+            <a:chOff x="9798766" y="3989399"/>
+            <a:chExt cx="2931742" cy="2607176"/>
+          </a:xfrm>
+        </p:grpSpPr>
+        <p:pic>
+          <p:nvPicPr>
+            <p:cNvPr id="7" name="Picture 6"/>
+            <p:cNvPicPr>
+              <a:picLocks noChangeAspect="1"/>
+            </p:cNvPicPr>
+            <p:nvPr/>
+          </p:nvPicPr>
+          <p:blipFill rotWithShape="1">
+            <a:blip r:embed="rId5">
+              <a:extLst>
+                <a:ext uri="{28A0092B-C50C-407E-A947-70E740481C1C}">
+                  <a14:useLocalDpi xmlns:a14="http://schemas.microsoft.com/office/drawing/2010/main" val="0"/>
+                </a:ext>
+              </a:extLst>
+            </a:blip>
+            <a:srcRect r="16106"/>
+            <a:stretch/>
+          </p:blipFill>
+          <p:spPr>
+            <a:xfrm>
+              <a:off x="9798766" y="3989399"/>
+              <a:ext cx="2931742" cy="2607176"/>
+            </a:xfrm>
+            <a:prstGeom prst="rect">
+              <a:avLst/>
+            </a:prstGeom>
+            <a:ln>
+              <a:solidFill>
+                <a:schemeClr val="tx1"/>
+              </a:solidFill>
+            </a:ln>
+          </p:spPr>
+        </p:pic>
+        <p:cxnSp>
+          <p:nvCxnSpPr>
+            <p:cNvPr id="20" name="Straight Connector 19"/>
+            <p:cNvCxnSpPr/>
+            <p:nvPr/>
+          </p:nvCxnSpPr>
+          <p:spPr>
+            <a:xfrm flipV="1">
+              <a:off x="10112029" y="4337713"/>
+              <a:ext cx="2407715" cy="1910547"/>
+            </a:xfrm>
+            <a:prstGeom prst="line">
+              <a:avLst/>
+            </a:prstGeom>
+            <a:ln>
+              <a:solidFill>
+                <a:schemeClr val="tx1"/>
+              </a:solidFill>
+            </a:ln>
+          </p:spPr>
+          <p:style>
+            <a:lnRef idx="1">
+              <a:schemeClr val="accent1"/>
+            </a:lnRef>
+            <a:fillRef idx="0">
+              <a:schemeClr val="accent1"/>
+            </a:fillRef>
+            <a:effectRef idx="0">
+              <a:schemeClr val="accent1"/>
+            </a:effectRef>
+            <a:fontRef idx="minor">
+              <a:schemeClr val="tx1"/>
+            </a:fontRef>
+          </p:style>
+        </p:cxnSp>
+      </p:grpSp>
+      <p:grpSp>
+        <p:nvGrpSpPr>
+          <p:cNvPr id="24" name="Group 23"/>
+          <p:cNvGrpSpPr/>
+          <p:nvPr/>
+        </p:nvGrpSpPr>
+        <p:grpSpPr>
+          <a:xfrm>
+            <a:off x="6607188" y="3150899"/>
+            <a:ext cx="2469577" cy="2150644"/>
+            <a:chOff x="6760692" y="3989399"/>
+            <a:chExt cx="2818579" cy="2468218"/>
+          </a:xfrm>
+        </p:grpSpPr>
+        <p:pic>
+          <p:nvPicPr>
+            <p:cNvPr id="22" name="Content Placeholder 3"/>
+            <p:cNvPicPr>
+              <a:picLocks noChangeAspect="1"/>
+            </p:cNvPicPr>
+            <p:nvPr/>
+          </p:nvPicPr>
+          <p:blipFill rotWithShape="1">
+            <a:blip r:embed="rId6">
+              <a:extLst>
+                <a:ext uri="{28A0092B-C50C-407E-A947-70E740481C1C}">
+                  <a14:useLocalDpi xmlns:a14="http://schemas.microsoft.com/office/drawing/2010/main" val="0"/>
+                </a:ext>
+              </a:extLst>
+            </a:blip>
+            <a:srcRect r="14804"/>
+            <a:stretch/>
+          </p:blipFill>
+          <p:spPr>
+            <a:xfrm>
+              <a:off x="6760692" y="3989399"/>
+              <a:ext cx="2818579" cy="2468218"/>
+            </a:xfrm>
+            <a:prstGeom prst="rect">
+              <a:avLst/>
+            </a:prstGeom>
+            <a:ln>
+              <a:solidFill>
+                <a:schemeClr val="tx1"/>
+              </a:solidFill>
+            </a:ln>
+          </p:spPr>
+        </p:pic>
+        <p:cxnSp>
+          <p:nvCxnSpPr>
+            <p:cNvPr id="23" name="Straight Connector 22"/>
+            <p:cNvCxnSpPr/>
+            <p:nvPr/>
+          </p:nvCxnSpPr>
+          <p:spPr>
+            <a:xfrm flipV="1">
+              <a:off x="7160421" y="4268234"/>
+              <a:ext cx="2407715" cy="1910547"/>
+            </a:xfrm>
+            <a:prstGeom prst="line">
+              <a:avLst/>
+            </a:prstGeom>
+            <a:ln>
+              <a:solidFill>
+                <a:schemeClr val="tx1"/>
+              </a:solidFill>
+            </a:ln>
+          </p:spPr>
+          <p:style>
+            <a:lnRef idx="1">
+              <a:schemeClr val="accent1"/>
+            </a:lnRef>
+            <a:fillRef idx="0">
+              <a:schemeClr val="accent1"/>
+            </a:fillRef>
+            <a:effectRef idx="0">
+              <a:schemeClr val="accent1"/>
+            </a:effectRef>
+            <a:fontRef idx="minor">
+              <a:schemeClr val="tx1"/>
+            </a:fontRef>
+          </p:style>
+        </p:cxnSp>
+      </p:grpSp>
+      <p:sp>
+        <p:nvSpPr>
+          <p:cNvPr id="27" name="TextBox 26"/>
+          <p:cNvSpPr txBox="1"/>
+          <p:nvPr/>
+        </p:nvSpPr>
+        <p:spPr>
+          <a:xfrm>
+            <a:off x="3797214" y="682148"/>
+            <a:ext cx="1944680" cy="646331"/>
+          </a:xfrm>
+          <a:prstGeom prst="rect">
+            <a:avLst/>
+          </a:prstGeom>
+          <a:noFill/>
+        </p:spPr>
+        <p:txBody>
+          <a:bodyPr wrap="square" rtlCol="0">
+            <a:spAutoFit/>
+          </a:bodyPr>
+          <a:lstStyle/>
+          <a:p>
+            <a:r>
+              <a:rPr lang="en-US" dirty="0" smtClean="0"/>
+              <a:t>‘normal’ IFD lengths</a:t>
+            </a:r>
+            <a:endParaRPr lang="en-US" dirty="0"/>
+          </a:p>
+        </p:txBody>
+      </p:sp>
+      <p:sp>
+        <p:nvSpPr>
+          <p:cNvPr id="28" name="TextBox 27"/>
+          <p:cNvSpPr txBox="1"/>
+          <p:nvPr/>
+        </p:nvSpPr>
+        <p:spPr>
+          <a:xfrm>
+            <a:off x="9258722" y="2349306"/>
+            <a:ext cx="1815353" cy="646331"/>
+          </a:xfrm>
+          <a:prstGeom prst="rect">
+            <a:avLst/>
+          </a:prstGeom>
+          <a:noFill/>
+        </p:spPr>
+        <p:txBody>
+          <a:bodyPr wrap="square" rtlCol="0">
+            <a:spAutoFit/>
+          </a:bodyPr>
+          <a:lstStyle/>
+          <a:p>
+            <a:r>
+              <a:rPr lang="en-US" dirty="0" smtClean="0"/>
+              <a:t>Significantly longer IFD</a:t>
+            </a:r>
+            <a:endParaRPr lang="en-US" dirty="0"/>
+          </a:p>
+        </p:txBody>
+      </p:sp>
+      <p:grpSp>
+        <p:nvGrpSpPr>
+          <p:cNvPr id="35" name="Group 34"/>
+          <p:cNvGrpSpPr/>
+          <p:nvPr/>
+        </p:nvGrpSpPr>
+        <p:grpSpPr>
+          <a:xfrm>
+            <a:off x="333051" y="277234"/>
+            <a:ext cx="3211193" cy="2835661"/>
+            <a:chOff x="1579333" y="1878684"/>
+            <a:chExt cx="3799492" cy="3424599"/>
+          </a:xfrm>
+        </p:grpSpPr>
+        <p:pic>
+          <p:nvPicPr>
+            <p:cNvPr id="30" name="Picture 29"/>
+            <p:cNvPicPr/>
+            <p:nvPr/>
+          </p:nvPicPr>
+          <p:blipFill rotWithShape="1">
+            <a:blip r:embed="rId7">
+              <a:extLst>
+                <a:ext uri="{28A0092B-C50C-407E-A947-70E740481C1C}">
+                  <a14:useLocalDpi xmlns:a14="http://schemas.microsoft.com/office/drawing/2010/main" val="0"/>
+                </a:ext>
+              </a:extLst>
+            </a:blip>
+            <a:srcRect r="13399"/>
+            <a:stretch/>
+          </p:blipFill>
+          <p:spPr>
+            <a:xfrm>
+              <a:off x="1579333" y="1878684"/>
+              <a:ext cx="3799492" cy="3424599"/>
+            </a:xfrm>
+            <a:prstGeom prst="rect">
+              <a:avLst/>
+            </a:prstGeom>
+            <a:solidFill>
+              <a:srgbClr val="FFFFFF">
+                <a:shade val="85000"/>
+              </a:srgbClr>
+            </a:solidFill>
+            <a:ln w="3175" cap="sq">
+              <a:solidFill>
+                <a:schemeClr val="tx1"/>
+              </a:solidFill>
+              <a:miter lim="800000"/>
+            </a:ln>
+            <a:effectLst>
+              <a:outerShdw blurRad="55000" dist="18000" dir="5400000" algn="tl" rotWithShape="0">
+                <a:srgbClr val="000000">
+                  <a:alpha val="40000"/>
+                </a:srgbClr>
+              </a:outerShdw>
+            </a:effectLst>
+            <a:scene3d>
+              <a:camera prst="orthographicFront"/>
+              <a:lightRig rig="twoPt" dir="t">
+                <a:rot lat="0" lon="0" rev="7200000"/>
+              </a:lightRig>
+            </a:scene3d>
+            <a:sp3d>
+              <a:bevelT w="25400" h="19050"/>
+              <a:contourClr>
+                <a:srgbClr val="FFFFFF"/>
+              </a:contourClr>
+            </a:sp3d>
+          </p:spPr>
+        </p:pic>
+        <p:cxnSp>
+          <p:nvCxnSpPr>
+            <p:cNvPr id="33" name="Straight Connector 32"/>
+            <p:cNvCxnSpPr/>
+            <p:nvPr/>
+          </p:nvCxnSpPr>
+          <p:spPr>
+            <a:xfrm flipV="1">
+              <a:off x="2009508" y="2016933"/>
+              <a:ext cx="3341101" cy="2883081"/>
+            </a:xfrm>
+            <a:prstGeom prst="line">
+              <a:avLst/>
+            </a:prstGeom>
+            <a:ln>
+              <a:solidFill>
+                <a:schemeClr val="tx1"/>
+              </a:solidFill>
+            </a:ln>
+          </p:spPr>
+          <p:style>
+            <a:lnRef idx="1">
+              <a:schemeClr val="accent1"/>
+            </a:lnRef>
+            <a:fillRef idx="0">
+              <a:schemeClr val="accent1"/>
+            </a:fillRef>
+            <a:effectRef idx="0">
+              <a:schemeClr val="accent1"/>
+            </a:effectRef>
+            <a:fontRef idx="minor">
+              <a:schemeClr val="tx1"/>
+            </a:fontRef>
+          </p:style>
+        </p:cxnSp>
+      </p:grpSp>
+      <p:sp>
+        <p:nvSpPr>
+          <p:cNvPr id="36" name="TextBox 35"/>
+          <p:cNvSpPr txBox="1"/>
+          <p:nvPr/>
+        </p:nvSpPr>
+        <p:spPr>
+          <a:xfrm>
+            <a:off x="9067008" y="269415"/>
+            <a:ext cx="2362991" cy="646331"/>
+          </a:xfrm>
+          <a:prstGeom prst="rect">
+            <a:avLst/>
+          </a:prstGeom>
+          <a:noFill/>
+        </p:spPr>
+        <p:txBody>
+          <a:bodyPr wrap="square" rtlCol="0">
+            <a:spAutoFit/>
+          </a:bodyPr>
+          <a:lstStyle/>
+          <a:p>
+            <a:r>
+              <a:rPr lang="en-US" dirty="0" smtClean="0"/>
+              <a:t>Rapid evolution of interference IFDs</a:t>
+            </a:r>
+            <a:endParaRPr lang="en-US" dirty="0"/>
+          </a:p>
+        </p:txBody>
+      </p:sp>
+    </p:spTree>
+    <p:extLst>
+      <p:ext uri="{BB962C8B-B14F-4D97-AF65-F5344CB8AC3E}">
+        <p14:creationId xmlns:p14="http://schemas.microsoft.com/office/powerpoint/2010/main" val="1821634073"/>
+      </p:ext>
+    </p:extLst>
+  </p:cSld>
+  <p:clrMapOvr>
+    <a:masterClrMapping/>
+  </p:clrMapOvr>
+  <p:timing>
+    <p:tnLst>
+      <p:par>
+        <p:cTn id="1" dur="indefinite" restart="never" nodeType="tmRoot"/>
+      </p:par>
+    </p:tnLst>
+  </p:timing>
+</p:sld>
+</file>
+
+<file path=ppt/slides/slide7.xml><?xml version="1.0" encoding="utf-8"?>
+<p:sld xmlns:a="http://schemas.openxmlformats.org/drawingml/2006/main" xmlns:r="http://schemas.openxmlformats.org/officeDocument/2006/relationships" xmlns:p="http://schemas.openxmlformats.org/presentationml/2006/main">
+  <p:cSld>
+    <p:spTree>
+      <p:nvGrpSpPr>
+        <p:cNvPr id="1" name=""/>
+        <p:cNvGrpSpPr/>
+        <p:nvPr/>
+      </p:nvGrpSpPr>
+      <p:grpSpPr>
+        <a:xfrm>
+          <a:off x="0" y="0"/>
+          <a:ext cx="0" cy="0"/>
+          <a:chOff x="0" y="0"/>
+          <a:chExt cx="0" cy="0"/>
+        </a:xfrm>
+      </p:grpSpPr>
+      <p:grpSp>
+        <p:nvGrpSpPr>
+          <p:cNvPr id="3" name="Group 2"/>
+          <p:cNvGrpSpPr/>
+          <p:nvPr/>
+        </p:nvGrpSpPr>
+        <p:grpSpPr>
+          <a:xfrm>
+            <a:off x="4966893" y="735110"/>
+            <a:ext cx="4513283" cy="3582581"/>
+            <a:chOff x="7306682" y="704330"/>
+            <a:chExt cx="4387373" cy="3424599"/>
+          </a:xfrm>
+        </p:grpSpPr>
+        <p:pic>
+          <p:nvPicPr>
+            <p:cNvPr id="5" name="Picture 4"/>
+            <p:cNvPicPr/>
+            <p:nvPr/>
+          </p:nvPicPr>
+          <p:blipFill>
+            <a:blip r:embed="rId3">
+              <a:extLst>
+                <a:ext uri="{28A0092B-C50C-407E-A947-70E740481C1C}">
+                  <a14:useLocalDpi xmlns:a14="http://schemas.microsoft.com/office/drawing/2010/main" val="0"/>
+                </a:ext>
+              </a:extLst>
+            </a:blip>
+            <a:stretch>
+              <a:fillRect/>
+            </a:stretch>
+          </p:blipFill>
+          <p:spPr>
+            <a:xfrm>
+              <a:off x="7306682" y="704330"/>
+              <a:ext cx="4387373" cy="3424599"/>
+            </a:xfrm>
+            <a:prstGeom prst="rect">
+              <a:avLst/>
+            </a:prstGeom>
+            <a:solidFill>
+              <a:srgbClr val="FFFFFF">
+                <a:shade val="85000"/>
+              </a:srgbClr>
+            </a:solidFill>
+            <a:ln w="3175" cap="sq">
+              <a:solidFill>
+                <a:schemeClr val="tx1"/>
+              </a:solidFill>
+              <a:miter lim="800000"/>
+            </a:ln>
+            <a:effectLst>
+              <a:outerShdw blurRad="55000" dist="18000" dir="5400000" algn="tl" rotWithShape="0">
+                <a:srgbClr val="000000">
+                  <a:alpha val="40000"/>
+                </a:srgbClr>
+              </a:outerShdw>
+            </a:effectLst>
+            <a:scene3d>
+              <a:camera prst="orthographicFront"/>
+              <a:lightRig rig="twoPt" dir="t">
+                <a:rot lat="0" lon="0" rev="7200000"/>
+              </a:lightRig>
+            </a:scene3d>
+            <a:sp3d>
+              <a:bevelT w="25400" h="19050"/>
+              <a:contourClr>
+                <a:srgbClr val="FFFFFF"/>
+              </a:contourClr>
+            </a:sp3d>
+          </p:spPr>
+        </p:pic>
+        <p:cxnSp>
+          <p:nvCxnSpPr>
+            <p:cNvPr id="30" name="Straight Connector 29"/>
+            <p:cNvCxnSpPr/>
+            <p:nvPr/>
+          </p:nvCxnSpPr>
+          <p:spPr>
+            <a:xfrm flipV="1">
+              <a:off x="7810339" y="834869"/>
+              <a:ext cx="3668563" cy="2900966"/>
+            </a:xfrm>
+            <a:prstGeom prst="line">
+              <a:avLst/>
+            </a:prstGeom>
+            <a:ln>
+              <a:solidFill>
+                <a:schemeClr val="tx1"/>
+              </a:solidFill>
+            </a:ln>
+          </p:spPr>
+          <p:style>
+            <a:lnRef idx="1">
+              <a:schemeClr val="accent1"/>
+            </a:lnRef>
+            <a:fillRef idx="0">
+              <a:schemeClr val="accent1"/>
+            </a:fillRef>
+            <a:effectRef idx="0">
+              <a:schemeClr val="accent1"/>
+            </a:effectRef>
+            <a:fontRef idx="minor">
+              <a:schemeClr val="tx1"/>
+            </a:fontRef>
+          </p:style>
+        </p:cxnSp>
+      </p:grpSp>
+      <p:grpSp>
+        <p:nvGrpSpPr>
+          <p:cNvPr id="2" name="Group 1"/>
+          <p:cNvGrpSpPr/>
+          <p:nvPr/>
+        </p:nvGrpSpPr>
+        <p:grpSpPr>
+          <a:xfrm>
+            <a:off x="331626" y="728335"/>
+            <a:ext cx="4226927" cy="3582581"/>
+            <a:chOff x="519885" y="625340"/>
+            <a:chExt cx="4226927" cy="3582581"/>
+          </a:xfrm>
+        </p:grpSpPr>
+        <p:pic>
+          <p:nvPicPr>
+            <p:cNvPr id="4" name="Picture 3"/>
+            <p:cNvPicPr/>
+            <p:nvPr/>
+          </p:nvPicPr>
+          <p:blipFill>
+            <a:blip r:embed="rId4">
+              <a:extLst>
+                <a:ext uri="{28A0092B-C50C-407E-A947-70E740481C1C}">
+                  <a14:useLocalDpi xmlns:a14="http://schemas.microsoft.com/office/drawing/2010/main" val="0"/>
+                </a:ext>
+              </a:extLst>
+            </a:blip>
+            <a:stretch>
+              <a:fillRect/>
+            </a:stretch>
+          </p:blipFill>
+          <p:spPr>
+            <a:xfrm>
+              <a:off x="519885" y="625340"/>
+              <a:ext cx="4226927" cy="3582581"/>
+            </a:xfrm>
+            <a:prstGeom prst="rect">
+              <a:avLst/>
+            </a:prstGeom>
+            <a:solidFill>
+              <a:srgbClr val="FFFFFF">
+                <a:shade val="85000"/>
+              </a:srgbClr>
+            </a:solidFill>
+            <a:ln w="3175" cap="sq">
+              <a:solidFill>
+                <a:schemeClr val="tx1"/>
+              </a:solidFill>
+              <a:miter lim="800000"/>
+            </a:ln>
+            <a:effectLst>
+              <a:outerShdw blurRad="55000" dist="18000" dir="5400000" algn="tl" rotWithShape="0">
+                <a:srgbClr val="000000">
+                  <a:alpha val="40000"/>
+                </a:srgbClr>
+              </a:outerShdw>
+            </a:effectLst>
+            <a:scene3d>
+              <a:camera prst="orthographicFront"/>
+              <a:lightRig rig="twoPt" dir="t">
+                <a:rot lat="0" lon="0" rev="7200000"/>
+              </a:lightRig>
+            </a:scene3d>
+            <a:sp3d>
+              <a:bevelT w="25400" h="19050"/>
+              <a:contourClr>
+                <a:srgbClr val="FFFFFF"/>
+              </a:contourClr>
+            </a:sp3d>
+          </p:spPr>
+        </p:pic>
+        <p:cxnSp>
+          <p:nvCxnSpPr>
+            <p:cNvPr id="19" name="Straight Connector 18"/>
+            <p:cNvCxnSpPr/>
+            <p:nvPr/>
+          </p:nvCxnSpPr>
+          <p:spPr>
+            <a:xfrm flipV="1">
+              <a:off x="1078249" y="834869"/>
+              <a:ext cx="3668563" cy="2900966"/>
+            </a:xfrm>
+            <a:prstGeom prst="line">
+              <a:avLst/>
+            </a:prstGeom>
+            <a:ln>
+              <a:solidFill>
+                <a:schemeClr val="tx1"/>
+              </a:solidFill>
+            </a:ln>
+          </p:spPr>
+          <p:style>
+            <a:lnRef idx="1">
+              <a:schemeClr val="accent1"/>
+            </a:lnRef>
+            <a:fillRef idx="0">
+              <a:schemeClr val="accent1"/>
+            </a:fillRef>
+            <a:effectRef idx="0">
+              <a:schemeClr val="accent1"/>
+            </a:effectRef>
+            <a:fontRef idx="minor">
+              <a:schemeClr val="tx1"/>
+            </a:fontRef>
+          </p:style>
+        </p:cxnSp>
+      </p:grpSp>
+      <p:sp>
+        <p:nvSpPr>
+          <p:cNvPr id="7" name="TextBox 6"/>
+          <p:cNvSpPr txBox="1"/>
+          <p:nvPr/>
+        </p:nvSpPr>
+        <p:spPr>
+          <a:xfrm>
+            <a:off x="9776959" y="937864"/>
+            <a:ext cx="2150582" cy="646331"/>
+          </a:xfrm>
+          <a:prstGeom prst="rect">
+            <a:avLst/>
+          </a:prstGeom>
+          <a:noFill/>
+        </p:spPr>
+        <p:txBody>
+          <a:bodyPr wrap="square" rtlCol="0">
+            <a:spAutoFit/>
+          </a:bodyPr>
+          <a:lstStyle/>
+          <a:p>
+            <a:r>
+              <a:rPr lang="en-US" dirty="0" smtClean="0"/>
+              <a:t>Sex difference in IFD distributions</a:t>
+            </a:r>
+            <a:endParaRPr lang="en-US" dirty="0"/>
+          </a:p>
+        </p:txBody>
+      </p:sp>
+    </p:spTree>
+    <p:extLst>
+      <p:ext uri="{BB962C8B-B14F-4D97-AF65-F5344CB8AC3E}">
+        <p14:creationId xmlns:p14="http://schemas.microsoft.com/office/powerpoint/2010/main" val="2731323634"/>
+      </p:ext>
+    </p:extLst>
+  </p:cSld>
+  <p:clrMapOvr>
+    <a:masterClrMapping/>
+  </p:clrMapOvr>
+  <p:timing>
+    <p:tnLst>
+      <p:par>
+        <p:cTn id="1" dur="indefinite" restart="never" nodeType="tmRoot"/>
+      </p:par>
+    </p:tnLst>
+  </p:timing>
+</p:sld>
+</file>
+
+<file path=ppt/slides/slide8.xml><?xml version="1.0" encoding="utf-8"?>
 <p:sld xmlns:a="http://schemas.openxmlformats.org/drawingml/2006/main" xmlns:r="http://schemas.openxmlformats.org/officeDocument/2006/relationships" xmlns:p="http://schemas.openxmlformats.org/presentationml/2006/main">
   <p:cSld>
     <p:spTree>
@@ -4254,8 +6688,8 @@
         </p:blipFill>
         <p:spPr>
           <a:xfrm>
-            <a:off x="645861" y="4236344"/>
-            <a:ext cx="2844165" cy="2171700"/>
+            <a:off x="614015" y="3540330"/>
+            <a:ext cx="3700409" cy="3190401"/>
           </a:xfrm>
           <a:prstGeom prst="rect">
             <a:avLst/>
@@ -4265,9 +6699,9 @@
               <a:shade val="85000"/>
             </a:srgbClr>
           </a:solidFill>
-          <a:ln w="88900" cap="sq">
+          <a:ln w="3175" cap="sq">
             <a:solidFill>
-              <a:srgbClr val="FFFFFF"/>
+              <a:schemeClr val="tx1"/>
             </a:solidFill>
             <a:miter lim="800000"/>
           </a:ln>
@@ -4812,7 +7246,7 @@
     </p:spTree>
     <p:extLst>
       <p:ext uri="{BB962C8B-B14F-4D97-AF65-F5344CB8AC3E}">
-        <p14:creationId xmlns:p14="http://schemas.microsoft.com/office/powerpoint/2010/main" val="3401094939"/>
+        <p14:creationId xmlns:p14="http://schemas.microsoft.com/office/powerpoint/2010/main" val="2541203018"/>
       </p:ext>
     </p:extLst>
   </p:cSld>
@@ -4900,7 +7334,7 @@
 </p:sld>
 </file>
 
-<file path=ppt/slides/slide6.xml><?xml version="1.0" encoding="utf-8"?>
+<file path=ppt/slides/slide9.xml><?xml version="1.0" encoding="utf-8"?>
 <p:sld xmlns:a="http://schemas.openxmlformats.org/drawingml/2006/main" xmlns:r="http://schemas.openxmlformats.org/officeDocument/2006/relationships" xmlns:p="http://schemas.openxmlformats.org/presentationml/2006/main">
   <p:cSld>
     <p:spTree>
@@ -5030,207 +7464,13 @@
   <p:clrMapOvr>
     <a:masterClrMapping/>
   </p:clrMapOvr>
-</p:sld>
-</file>
-
-<file path=ppt/slides/slide7.xml><?xml version="1.0" encoding="utf-8"?>
-<p:sld xmlns:a="http://schemas.openxmlformats.org/drawingml/2006/main" xmlns:r="http://schemas.openxmlformats.org/officeDocument/2006/relationships" xmlns:p="http://schemas.openxmlformats.org/presentationml/2006/main">
-  <p:cSld>
-    <p:spTree>
-      <p:nvGrpSpPr>
-        <p:cNvPr id="1" name=""/>
-        <p:cNvGrpSpPr/>
-        <p:nvPr/>
-      </p:nvGrpSpPr>
-      <p:grpSpPr>
-        <a:xfrm>
-          <a:off x="0" y="0"/>
-          <a:ext cx="0" cy="0"/>
-          <a:chOff x="0" y="0"/>
-          <a:chExt cx="0" cy="0"/>
-        </a:xfrm>
-      </p:grpSpPr>
-      <p:sp>
-        <p:nvSpPr>
-          <p:cNvPr id="2" name="Title 1"/>
-          <p:cNvSpPr>
-            <a:spLocks noGrp="1"/>
-          </p:cNvSpPr>
-          <p:nvPr>
-            <p:ph type="title"/>
-          </p:nvPr>
-        </p:nvSpPr>
-        <p:spPr/>
-        <p:txBody>
-          <a:bodyPr/>
-          <a:lstStyle/>
-          <a:p>
-            <a:endParaRPr lang="en-US"/>
-          </a:p>
-        </p:txBody>
-      </p:sp>
-      <p:sp>
-        <p:nvSpPr>
-          <p:cNvPr id="3" name="Content Placeholder 2"/>
-          <p:cNvSpPr>
-            <a:spLocks noGrp="1"/>
-          </p:cNvSpPr>
-          <p:nvPr>
-            <p:ph idx="1"/>
-          </p:nvPr>
-        </p:nvSpPr>
-        <p:spPr/>
-        <p:txBody>
-          <a:bodyPr/>
-          <a:lstStyle/>
-          <a:p>
-            <a:endParaRPr lang="en-US"/>
-          </a:p>
-        </p:txBody>
-      </p:sp>
-    </p:spTree>
-    <p:extLst>
-      <p:ext uri="{BB962C8B-B14F-4D97-AF65-F5344CB8AC3E}">
-        <p14:creationId xmlns:p14="http://schemas.microsoft.com/office/powerpoint/2010/main" val="1665848511"/>
-      </p:ext>
-    </p:extLst>
-  </p:cSld>
-  <p:clrMapOvr>
-    <a:masterClrMapping/>
-  </p:clrMapOvr>
-</p:sld>
-</file>
-
-<file path=ppt/slides/slide8.xml><?xml version="1.0" encoding="utf-8"?>
-<p:sld xmlns:a="http://schemas.openxmlformats.org/drawingml/2006/main" xmlns:r="http://schemas.openxmlformats.org/officeDocument/2006/relationships" xmlns:p="http://schemas.openxmlformats.org/presentationml/2006/main">
-  <p:cSld>
-    <p:spTree>
-      <p:nvGrpSpPr>
-        <p:cNvPr id="1" name=""/>
-        <p:cNvGrpSpPr/>
-        <p:nvPr/>
-      </p:nvGrpSpPr>
-      <p:grpSpPr>
-        <a:xfrm>
-          <a:off x="0" y="0"/>
-          <a:ext cx="0" cy="0"/>
-          <a:chOff x="0" y="0"/>
-          <a:chExt cx="0" cy="0"/>
-        </a:xfrm>
-      </p:grpSpPr>
-      <p:sp>
-        <p:nvSpPr>
-          <p:cNvPr id="2" name="Title 1"/>
-          <p:cNvSpPr>
-            <a:spLocks noGrp="1"/>
-          </p:cNvSpPr>
-          <p:nvPr>
-            <p:ph type="title"/>
-          </p:nvPr>
-        </p:nvSpPr>
-        <p:spPr/>
-        <p:txBody>
-          <a:bodyPr/>
-          <a:lstStyle/>
-          <a:p>
-            <a:r>
-              <a:rPr lang="en-US" dirty="0" smtClean="0"/>
-              <a:t>Q2 SC differences</a:t>
-            </a:r>
-            <a:endParaRPr lang="en-US" dirty="0"/>
-          </a:p>
-        </p:txBody>
-      </p:sp>
-      <p:sp>
-        <p:nvSpPr>
-          <p:cNvPr id="3" name="Content Placeholder 2"/>
-          <p:cNvSpPr>
-            <a:spLocks noGrp="1"/>
-          </p:cNvSpPr>
-          <p:nvPr>
-            <p:ph idx="1"/>
-          </p:nvPr>
-        </p:nvSpPr>
-        <p:spPr>
-          <a:xfrm>
-            <a:off x="5754028" y="1825625"/>
-            <a:ext cx="5599771" cy="4351338"/>
-          </a:xfrm>
-        </p:spPr>
-        <p:txBody>
-          <a:bodyPr/>
-          <a:lstStyle/>
-          <a:p>
-            <a:endParaRPr lang="en-US" dirty="0"/>
-          </a:p>
-        </p:txBody>
-      </p:sp>
-      <p:pic>
-        <p:nvPicPr>
-          <p:cNvPr id="4" name="Picture"/>
-          <p:cNvPicPr/>
-          <p:nvPr/>
-        </p:nvPicPr>
-        <p:blipFill>
-          <a:blip r:embed="rId3"/>
-          <a:stretch>
-            <a:fillRect/>
-          </a:stretch>
-        </p:blipFill>
-        <p:spPr bwMode="auto">
-          <a:xfrm>
-            <a:off x="641543" y="2696272"/>
-            <a:ext cx="4619625" cy="3695700"/>
-          </a:xfrm>
-          <a:prstGeom prst="rect">
-            <a:avLst/>
-          </a:prstGeom>
-          <a:noFill/>
-          <a:ln w="9525">
-            <a:noFill/>
-            <a:headEnd/>
-            <a:tailEnd/>
-          </a:ln>
-        </p:spPr>
-      </p:pic>
-      <p:pic>
-        <p:nvPicPr>
-          <p:cNvPr id="5" name="Picture"/>
-          <p:cNvPicPr/>
-          <p:nvPr/>
-        </p:nvPicPr>
-        <p:blipFill>
-          <a:blip r:embed="rId4"/>
-          <a:stretch>
-            <a:fillRect/>
-          </a:stretch>
-        </p:blipFill>
-        <p:spPr bwMode="auto">
-          <a:xfrm>
-            <a:off x="5481173" y="2481263"/>
-            <a:ext cx="4619625" cy="3695700"/>
-          </a:xfrm>
-          <a:prstGeom prst="rect">
-            <a:avLst/>
-          </a:prstGeom>
-          <a:noFill/>
-          <a:ln w="9525">
-            <a:noFill/>
-            <a:headEnd/>
-            <a:tailEnd/>
-          </a:ln>
-        </p:spPr>
-      </p:pic>
-    </p:spTree>
-    <p:extLst>
-      <p:ext uri="{BB962C8B-B14F-4D97-AF65-F5344CB8AC3E}">
-        <p14:creationId xmlns:p14="http://schemas.microsoft.com/office/powerpoint/2010/main" val="3221939421"/>
-      </p:ext>
-    </p:extLst>
-  </p:cSld>
-  <p:clrMapOvr>
-    <a:masterClrMapping/>
-  </p:clrMapOvr>
+  <p:timing>
+    <p:tnLst>
+      <p:par>
+        <p:cTn id="1" dur="indefinite" restart="never" nodeType="tmRoot"/>
+      </p:par>
+    </p:tnLst>
+  </p:timing>
 </p:sld>
 </file>
 
